--- a/Presentation_dataset.pptx
+++ b/Presentation_dataset.pptx
@@ -208,7 +208,7 @@
           <a:p>
             <a:fld id="{1BEB643C-D68D-4490-9EE8-A41CEAB30E1E}" type="datetimeFigureOut">
               <a:rPr lang="fr-FR" smtClean="0"/>
-              <a:t>18/02/2020</a:t>
+              <a:t>19/02/2020</a:t>
             </a:fld>
             <a:endParaRPr lang="fr-FR"/>
           </a:p>
@@ -1447,7 +1447,7 @@
           <a:p>
             <a:fld id="{444F11A9-3BC5-4114-975C-F2096B298E88}" type="datetimeFigureOut">
               <a:rPr lang="fr-FR" smtClean="0"/>
-              <a:t>18/02/2020</a:t>
+              <a:t>19/02/2020</a:t>
             </a:fld>
             <a:endParaRPr lang="fr-FR"/>
           </a:p>
@@ -1617,7 +1617,7 @@
           <a:p>
             <a:fld id="{444F11A9-3BC5-4114-975C-F2096B298E88}" type="datetimeFigureOut">
               <a:rPr lang="fr-FR" smtClean="0"/>
-              <a:t>18/02/2020</a:t>
+              <a:t>19/02/2020</a:t>
             </a:fld>
             <a:endParaRPr lang="fr-FR"/>
           </a:p>
@@ -1797,7 +1797,7 @@
           <a:p>
             <a:fld id="{444F11A9-3BC5-4114-975C-F2096B298E88}" type="datetimeFigureOut">
               <a:rPr lang="fr-FR" smtClean="0"/>
-              <a:t>18/02/2020</a:t>
+              <a:t>19/02/2020</a:t>
             </a:fld>
             <a:endParaRPr lang="fr-FR"/>
           </a:p>
@@ -2134,7 +2134,7 @@
           <a:p>
             <a:fld id="{444F11A9-3BC5-4114-975C-F2096B298E88}" type="datetimeFigureOut">
               <a:rPr lang="fr-FR" smtClean="0"/>
-              <a:t>18/02/2020</a:t>
+              <a:t>19/02/2020</a:t>
             </a:fld>
             <a:endParaRPr lang="fr-FR"/>
           </a:p>
@@ -2380,7 +2380,7 @@
           <a:p>
             <a:fld id="{444F11A9-3BC5-4114-975C-F2096B298E88}" type="datetimeFigureOut">
               <a:rPr lang="fr-FR" smtClean="0"/>
-              <a:t>18/02/2020</a:t>
+              <a:t>19/02/2020</a:t>
             </a:fld>
             <a:endParaRPr lang="fr-FR"/>
           </a:p>
@@ -2612,7 +2612,7 @@
           <a:p>
             <a:fld id="{444F11A9-3BC5-4114-975C-F2096B298E88}" type="datetimeFigureOut">
               <a:rPr lang="fr-FR" smtClean="0"/>
-              <a:t>18/02/2020</a:t>
+              <a:t>19/02/2020</a:t>
             </a:fld>
             <a:endParaRPr lang="fr-FR"/>
           </a:p>
@@ -2979,7 +2979,7 @@
           <a:p>
             <a:fld id="{444F11A9-3BC5-4114-975C-F2096B298E88}" type="datetimeFigureOut">
               <a:rPr lang="fr-FR" smtClean="0"/>
-              <a:t>18/02/2020</a:t>
+              <a:t>19/02/2020</a:t>
             </a:fld>
             <a:endParaRPr lang="fr-FR"/>
           </a:p>
@@ -3097,7 +3097,7 @@
           <a:p>
             <a:fld id="{444F11A9-3BC5-4114-975C-F2096B298E88}" type="datetimeFigureOut">
               <a:rPr lang="fr-FR" smtClean="0"/>
-              <a:t>18/02/2020</a:t>
+              <a:t>19/02/2020</a:t>
             </a:fld>
             <a:endParaRPr lang="fr-FR"/>
           </a:p>
@@ -3192,7 +3192,7 @@
           <a:p>
             <a:fld id="{444F11A9-3BC5-4114-975C-F2096B298E88}" type="datetimeFigureOut">
               <a:rPr lang="fr-FR" smtClean="0"/>
-              <a:t>18/02/2020</a:t>
+              <a:t>19/02/2020</a:t>
             </a:fld>
             <a:endParaRPr lang="fr-FR"/>
           </a:p>
@@ -3469,7 +3469,7 @@
           <a:p>
             <a:fld id="{444F11A9-3BC5-4114-975C-F2096B298E88}" type="datetimeFigureOut">
               <a:rPr lang="fr-FR" smtClean="0"/>
-              <a:t>18/02/2020</a:t>
+              <a:t>19/02/2020</a:t>
             </a:fld>
             <a:endParaRPr lang="fr-FR"/>
           </a:p>
@@ -3722,7 +3722,7 @@
           <a:p>
             <a:fld id="{444F11A9-3BC5-4114-975C-F2096B298E88}" type="datetimeFigureOut">
               <a:rPr lang="fr-FR" smtClean="0"/>
-              <a:t>18/02/2020</a:t>
+              <a:t>19/02/2020</a:t>
             </a:fld>
             <a:endParaRPr lang="fr-FR"/>
           </a:p>
@@ -3935,7 +3935,7 @@
           <a:p>
             <a:fld id="{444F11A9-3BC5-4114-975C-F2096B298E88}" type="datetimeFigureOut">
               <a:rPr lang="fr-FR" smtClean="0"/>
-              <a:t>18/02/2020</a:t>
+              <a:t>19/02/2020</a:t>
             </a:fld>
             <a:endParaRPr lang="fr-FR"/>
           </a:p>
@@ -4836,10 +4836,10 @@
           <p:cNvPr id="10" name="Rectangle 9">
             <a:extLst>
               <a:ext uri="{FF2B5EF4-FFF2-40B4-BE49-F238E27FC236}">
-                <a16:creationId xmlns="" xmlns:a16="http://schemas.microsoft.com/office/drawing/2014/main" id="{A3D9AEEE-1CCD-43C0-BA3E-16D60A6E23C0}"/>
+                <a16:creationId xmlns:a16="http://schemas.microsoft.com/office/drawing/2014/main" xmlns="" id="{A3D9AEEE-1CCD-43C0-BA3E-16D60A6E23C0}"/>
               </a:ext>
               <a:ext uri="{C183D7F6-B498-43B3-948B-1728B52AA6E4}">
-                <adec:decorative xmlns="" xmlns:adec="http://schemas.microsoft.com/office/drawing/2017/decorative" val="1"/>
+                <adec:decorative xmlns:adec="http://schemas.microsoft.com/office/drawing/2017/decorative" xmlns="" val="1"/>
               </a:ext>
             </a:extLst>
           </p:cNvPr>
@@ -4849,7 +4849,7 @@
           <p:nvPr>
             <p:extLst>
               <p:ext uri="{386F3935-93C4-4BCD-93E2-E3B085C9AB24}">
-                <p16:designElem xmlns="" xmlns:p16="http://schemas.microsoft.com/office/powerpoint/2015/main" val="1"/>
+                <p16:designElem xmlns:p16="http://schemas.microsoft.com/office/powerpoint/2015/main" xmlns="" val="1"/>
               </p:ext>
             </p:extLst>
           </p:nvPr>
@@ -4903,10 +4903,10 @@
           <p:cNvPr id="12" name="Freeform 11">
             <a:extLst>
               <a:ext uri="{FF2B5EF4-FFF2-40B4-BE49-F238E27FC236}">
-                <a16:creationId xmlns="" xmlns:a16="http://schemas.microsoft.com/office/drawing/2014/main" id="{60F880A6-33D3-4EEC-A780-B73559B9F24C}"/>
+                <a16:creationId xmlns:a16="http://schemas.microsoft.com/office/drawing/2014/main" xmlns="" id="{60F880A6-33D3-4EEC-A780-B73559B9F24C}"/>
               </a:ext>
               <a:ext uri="{C183D7F6-B498-43B3-948B-1728B52AA6E4}">
-                <adec:decorative xmlns="" xmlns:adec="http://schemas.microsoft.com/office/drawing/2017/decorative" val="1"/>
+                <adec:decorative xmlns:adec="http://schemas.microsoft.com/office/drawing/2017/decorative" xmlns="" val="1"/>
               </a:ext>
             </a:extLst>
           </p:cNvPr>
@@ -4916,7 +4916,7 @@
           <p:nvPr>
             <p:extLst>
               <p:ext uri="{386F3935-93C4-4BCD-93E2-E3B085C9AB24}">
-                <p16:designElem xmlns="" xmlns:p16="http://schemas.microsoft.com/office/powerpoint/2015/main" val="1"/>
+                <p16:designElem xmlns:p16="http://schemas.microsoft.com/office/powerpoint/2015/main" xmlns="" val="1"/>
               </p:ext>
             </p:extLst>
           </p:nvPr>
@@ -21715,10 +21715,10 @@
           <p:cNvPr id="10" name="Rectangle 9">
             <a:extLst>
               <a:ext uri="{FF2B5EF4-FFF2-40B4-BE49-F238E27FC236}">
-                <a16:creationId xmlns="" xmlns:a16="http://schemas.microsoft.com/office/drawing/2014/main" id="{A3D9AEEE-1CCD-43C0-BA3E-16D60A6E23C0}"/>
+                <a16:creationId xmlns:a16="http://schemas.microsoft.com/office/drawing/2014/main" xmlns="" id="{A3D9AEEE-1CCD-43C0-BA3E-16D60A6E23C0}"/>
               </a:ext>
               <a:ext uri="{C183D7F6-B498-43B3-948B-1728B52AA6E4}">
-                <adec:decorative xmlns="" xmlns:adec="http://schemas.microsoft.com/office/drawing/2017/decorative" val="1"/>
+                <adec:decorative xmlns:adec="http://schemas.microsoft.com/office/drawing/2017/decorative" xmlns="" val="1"/>
               </a:ext>
             </a:extLst>
           </p:cNvPr>
@@ -21728,7 +21728,7 @@
           <p:nvPr>
             <p:extLst>
               <p:ext uri="{386F3935-93C4-4BCD-93E2-E3B085C9AB24}">
-                <p16:designElem xmlns="" xmlns:p16="http://schemas.microsoft.com/office/powerpoint/2015/main" val="1"/>
+                <p16:designElem xmlns:p16="http://schemas.microsoft.com/office/powerpoint/2015/main" xmlns="" val="1"/>
               </p:ext>
             </p:extLst>
           </p:nvPr>
@@ -21782,10 +21782,10 @@
           <p:cNvPr id="12" name="Freeform 11">
             <a:extLst>
               <a:ext uri="{FF2B5EF4-FFF2-40B4-BE49-F238E27FC236}">
-                <a16:creationId xmlns="" xmlns:a16="http://schemas.microsoft.com/office/drawing/2014/main" id="{60F880A6-33D3-4EEC-A780-B73559B9F24C}"/>
+                <a16:creationId xmlns:a16="http://schemas.microsoft.com/office/drawing/2014/main" xmlns="" id="{60F880A6-33D3-4EEC-A780-B73559B9F24C}"/>
               </a:ext>
               <a:ext uri="{C183D7F6-B498-43B3-948B-1728B52AA6E4}">
-                <adec:decorative xmlns="" xmlns:adec="http://schemas.microsoft.com/office/drawing/2017/decorative" val="1"/>
+                <adec:decorative xmlns:adec="http://schemas.microsoft.com/office/drawing/2017/decorative" xmlns="" val="1"/>
               </a:ext>
             </a:extLst>
           </p:cNvPr>
@@ -21795,7 +21795,7 @@
           <p:nvPr>
             <p:extLst>
               <p:ext uri="{386F3935-93C4-4BCD-93E2-E3B085C9AB24}">
-                <p16:designElem xmlns="" xmlns:p16="http://schemas.microsoft.com/office/powerpoint/2015/main" val="1"/>
+                <p16:designElem xmlns:p16="http://schemas.microsoft.com/office/powerpoint/2015/main" xmlns="" val="1"/>
               </p:ext>
             </p:extLst>
           </p:nvPr>
@@ -22020,7 +22020,7 @@
                   <a:schemeClr val="bg1"/>
                 </a:solidFill>
               </a:rPr>
-              <a:t>CONCLUSION</a:t>
+              <a:t>BILAN</a:t>
             </a:r>
             <a:endParaRPr lang="fr-FR" sz="3200" dirty="0">
               <a:solidFill>
@@ -22505,10 +22505,10 @@
           <p:cNvPr id="10" name="Rectangle 9">
             <a:extLst>
               <a:ext uri="{FF2B5EF4-FFF2-40B4-BE49-F238E27FC236}">
-                <a16:creationId xmlns="" xmlns:a16="http://schemas.microsoft.com/office/drawing/2014/main" id="{A3D9AEEE-1CCD-43C0-BA3E-16D60A6E23C0}"/>
+                <a16:creationId xmlns:a16="http://schemas.microsoft.com/office/drawing/2014/main" xmlns="" id="{A3D9AEEE-1CCD-43C0-BA3E-16D60A6E23C0}"/>
               </a:ext>
               <a:ext uri="{C183D7F6-B498-43B3-948B-1728B52AA6E4}">
-                <adec:decorative xmlns="" xmlns:adec="http://schemas.microsoft.com/office/drawing/2017/decorative" val="1"/>
+                <adec:decorative xmlns:adec="http://schemas.microsoft.com/office/drawing/2017/decorative" xmlns="" val="1"/>
               </a:ext>
             </a:extLst>
           </p:cNvPr>
@@ -22518,7 +22518,7 @@
           <p:nvPr>
             <p:extLst>
               <p:ext uri="{386F3935-93C4-4BCD-93E2-E3B085C9AB24}">
-                <p16:designElem xmlns="" xmlns:p16="http://schemas.microsoft.com/office/powerpoint/2015/main" val="1"/>
+                <p16:designElem xmlns:p16="http://schemas.microsoft.com/office/powerpoint/2015/main" xmlns="" val="1"/>
               </p:ext>
             </p:extLst>
           </p:nvPr>
@@ -22572,10 +22572,10 @@
           <p:cNvPr id="12" name="Freeform 11">
             <a:extLst>
               <a:ext uri="{FF2B5EF4-FFF2-40B4-BE49-F238E27FC236}">
-                <a16:creationId xmlns="" xmlns:a16="http://schemas.microsoft.com/office/drawing/2014/main" id="{60F880A6-33D3-4EEC-A780-B73559B9F24C}"/>
+                <a16:creationId xmlns:a16="http://schemas.microsoft.com/office/drawing/2014/main" xmlns="" id="{60F880A6-33D3-4EEC-A780-B73559B9F24C}"/>
               </a:ext>
               <a:ext uri="{C183D7F6-B498-43B3-948B-1728B52AA6E4}">
-                <adec:decorative xmlns="" xmlns:adec="http://schemas.microsoft.com/office/drawing/2017/decorative" val="1"/>
+                <adec:decorative xmlns:adec="http://schemas.microsoft.com/office/drawing/2017/decorative" xmlns="" val="1"/>
               </a:ext>
             </a:extLst>
           </p:cNvPr>
@@ -22585,7 +22585,7 @@
           <p:nvPr>
             <p:extLst>
               <p:ext uri="{386F3935-93C4-4BCD-93E2-E3B085C9AB24}">
-                <p16:designElem xmlns="" xmlns:p16="http://schemas.microsoft.com/office/powerpoint/2015/main" val="1"/>
+                <p16:designElem xmlns:p16="http://schemas.microsoft.com/office/powerpoint/2015/main" xmlns="" val="1"/>
               </p:ext>
             </p:extLst>
           </p:nvPr>
@@ -24010,10 +24010,10 @@
           <p:cNvPr id="10" name="Rectangle 9">
             <a:extLst>
               <a:ext uri="{FF2B5EF4-FFF2-40B4-BE49-F238E27FC236}">
-                <a16:creationId xmlns="" xmlns:a16="http://schemas.microsoft.com/office/drawing/2014/main" id="{A3D9AEEE-1CCD-43C0-BA3E-16D60A6E23C0}"/>
+                <a16:creationId xmlns:a16="http://schemas.microsoft.com/office/drawing/2014/main" xmlns="" id="{A3D9AEEE-1CCD-43C0-BA3E-16D60A6E23C0}"/>
               </a:ext>
               <a:ext uri="{C183D7F6-B498-43B3-948B-1728B52AA6E4}">
-                <adec:decorative xmlns="" xmlns:adec="http://schemas.microsoft.com/office/drawing/2017/decorative" val="1"/>
+                <adec:decorative xmlns:adec="http://schemas.microsoft.com/office/drawing/2017/decorative" xmlns="" val="1"/>
               </a:ext>
             </a:extLst>
           </p:cNvPr>
@@ -24023,7 +24023,7 @@
           <p:nvPr>
             <p:extLst>
               <p:ext uri="{386F3935-93C4-4BCD-93E2-E3B085C9AB24}">
-                <p16:designElem xmlns="" xmlns:p16="http://schemas.microsoft.com/office/powerpoint/2015/main" val="1"/>
+                <p16:designElem xmlns:p16="http://schemas.microsoft.com/office/powerpoint/2015/main" xmlns="" val="1"/>
               </p:ext>
             </p:extLst>
           </p:nvPr>
@@ -24077,10 +24077,10 @@
           <p:cNvPr id="12" name="Freeform 11">
             <a:extLst>
               <a:ext uri="{FF2B5EF4-FFF2-40B4-BE49-F238E27FC236}">
-                <a16:creationId xmlns="" xmlns:a16="http://schemas.microsoft.com/office/drawing/2014/main" id="{60F880A6-33D3-4EEC-A780-B73559B9F24C}"/>
+                <a16:creationId xmlns:a16="http://schemas.microsoft.com/office/drawing/2014/main" xmlns="" id="{60F880A6-33D3-4EEC-A780-B73559B9F24C}"/>
               </a:ext>
               <a:ext uri="{C183D7F6-B498-43B3-948B-1728B52AA6E4}">
-                <adec:decorative xmlns="" xmlns:adec="http://schemas.microsoft.com/office/drawing/2017/decorative" val="1"/>
+                <adec:decorative xmlns:adec="http://schemas.microsoft.com/office/drawing/2017/decorative" xmlns="" val="1"/>
               </a:ext>
             </a:extLst>
           </p:cNvPr>
@@ -24090,7 +24090,7 @@
           <p:nvPr>
             <p:extLst>
               <p:ext uri="{386F3935-93C4-4BCD-93E2-E3B085C9AB24}">
-                <p16:designElem xmlns="" xmlns:p16="http://schemas.microsoft.com/office/powerpoint/2015/main" val="1"/>
+                <p16:designElem xmlns:p16="http://schemas.microsoft.com/office/powerpoint/2015/main" xmlns="" val="1"/>
               </p:ext>
             </p:extLst>
           </p:nvPr>
@@ -25014,10 +25014,10 @@
           <p:cNvPr id="10" name="Rectangle 9">
             <a:extLst>
               <a:ext uri="{FF2B5EF4-FFF2-40B4-BE49-F238E27FC236}">
-                <a16:creationId xmlns="" xmlns:a16="http://schemas.microsoft.com/office/drawing/2014/main" id="{A3D9AEEE-1CCD-43C0-BA3E-16D60A6E23C0}"/>
+                <a16:creationId xmlns:a16="http://schemas.microsoft.com/office/drawing/2014/main" xmlns="" id="{A3D9AEEE-1CCD-43C0-BA3E-16D60A6E23C0}"/>
               </a:ext>
               <a:ext uri="{C183D7F6-B498-43B3-948B-1728B52AA6E4}">
-                <adec:decorative xmlns="" xmlns:adec="http://schemas.microsoft.com/office/drawing/2017/decorative" val="1"/>
+                <adec:decorative xmlns:adec="http://schemas.microsoft.com/office/drawing/2017/decorative" xmlns="" val="1"/>
               </a:ext>
             </a:extLst>
           </p:cNvPr>
@@ -25027,7 +25027,7 @@
           <p:nvPr>
             <p:extLst>
               <p:ext uri="{386F3935-93C4-4BCD-93E2-E3B085C9AB24}">
-                <p16:designElem xmlns="" xmlns:p16="http://schemas.microsoft.com/office/powerpoint/2015/main" val="1"/>
+                <p16:designElem xmlns:p16="http://schemas.microsoft.com/office/powerpoint/2015/main" xmlns="" val="1"/>
               </p:ext>
             </p:extLst>
           </p:nvPr>
@@ -25081,10 +25081,10 @@
           <p:cNvPr id="12" name="Freeform 11">
             <a:extLst>
               <a:ext uri="{FF2B5EF4-FFF2-40B4-BE49-F238E27FC236}">
-                <a16:creationId xmlns="" xmlns:a16="http://schemas.microsoft.com/office/drawing/2014/main" id="{60F880A6-33D3-4EEC-A780-B73559B9F24C}"/>
+                <a16:creationId xmlns:a16="http://schemas.microsoft.com/office/drawing/2014/main" xmlns="" id="{60F880A6-33D3-4EEC-A780-B73559B9F24C}"/>
               </a:ext>
               <a:ext uri="{C183D7F6-B498-43B3-948B-1728B52AA6E4}">
-                <adec:decorative xmlns="" xmlns:adec="http://schemas.microsoft.com/office/drawing/2017/decorative" val="1"/>
+                <adec:decorative xmlns:adec="http://schemas.microsoft.com/office/drawing/2017/decorative" xmlns="" val="1"/>
               </a:ext>
             </a:extLst>
           </p:cNvPr>
@@ -25094,7 +25094,7 @@
           <p:nvPr>
             <p:extLst>
               <p:ext uri="{386F3935-93C4-4BCD-93E2-E3B085C9AB24}">
-                <p16:designElem xmlns="" xmlns:p16="http://schemas.microsoft.com/office/powerpoint/2015/main" val="1"/>
+                <p16:designElem xmlns:p16="http://schemas.microsoft.com/office/powerpoint/2015/main" xmlns="" val="1"/>
               </p:ext>
             </p:extLst>
           </p:nvPr>
@@ -25346,7 +25346,7 @@
         </p:nvSpPr>
         <p:spPr>
           <a:xfrm>
-            <a:off x="506378" y="3123005"/>
+            <a:off x="492931" y="3096111"/>
             <a:ext cx="511573" cy="646331"/>
           </a:xfrm>
           <a:prstGeom prst="rect">
@@ -25385,7 +25385,7 @@
           <p:cNvPr id="9" name="Donut 24">
             <a:extLst>
               <a:ext uri="{FF2B5EF4-FFF2-40B4-BE49-F238E27FC236}">
-                <a16:creationId xmlns:a16="http://schemas.microsoft.com/office/drawing/2014/main" xmlns="" id="{D95711E9-4173-4CAB-A83A-4D2C4A4484CE}"/>
+                <a16:creationId xmlns="" xmlns:a16="http://schemas.microsoft.com/office/drawing/2014/main" id="{D95711E9-4173-4CAB-A83A-4D2C4A4484CE}"/>
               </a:ext>
             </a:extLst>
           </p:cNvPr>
@@ -25773,7 +25773,7 @@
           <p:cNvPr id="14" name="Trapezoid 13">
             <a:extLst>
               <a:ext uri="{FF2B5EF4-FFF2-40B4-BE49-F238E27FC236}">
-                <a16:creationId xmlns:a16="http://schemas.microsoft.com/office/drawing/2014/main" xmlns="" id="{55032C93-D661-48DE-9FBD-2B91B134DA54}"/>
+                <a16:creationId xmlns="" xmlns:a16="http://schemas.microsoft.com/office/drawing/2014/main" id="{55032C93-D661-48DE-9FBD-2B91B134DA54}"/>
               </a:ext>
             </a:extLst>
           </p:cNvPr>
@@ -25895,7 +25895,7 @@
           <p:cNvPr id="13" name="Round Same Side Corner Rectangle 21">
             <a:extLst>
               <a:ext uri="{FF2B5EF4-FFF2-40B4-BE49-F238E27FC236}">
-                <a16:creationId xmlns:a16="http://schemas.microsoft.com/office/drawing/2014/main" xmlns="" id="{09F3C512-D0F8-450A-B4C3-C8F0469491B8}"/>
+                <a16:creationId xmlns="" xmlns:a16="http://schemas.microsoft.com/office/drawing/2014/main" id="{09F3C512-D0F8-450A-B4C3-C8F0469491B8}"/>
               </a:ext>
             </a:extLst>
           </p:cNvPr>
@@ -26367,10 +26367,10 @@
           <p:cNvPr id="10" name="Rectangle 9">
             <a:extLst>
               <a:ext uri="{FF2B5EF4-FFF2-40B4-BE49-F238E27FC236}">
-                <a16:creationId xmlns="" xmlns:a16="http://schemas.microsoft.com/office/drawing/2014/main" id="{A3D9AEEE-1CCD-43C0-BA3E-16D60A6E23C0}"/>
+                <a16:creationId xmlns:a16="http://schemas.microsoft.com/office/drawing/2014/main" xmlns="" id="{A3D9AEEE-1CCD-43C0-BA3E-16D60A6E23C0}"/>
               </a:ext>
               <a:ext uri="{C183D7F6-B498-43B3-948B-1728B52AA6E4}">
-                <adec:decorative xmlns="" xmlns:adec="http://schemas.microsoft.com/office/drawing/2017/decorative" val="1"/>
+                <adec:decorative xmlns:adec="http://schemas.microsoft.com/office/drawing/2017/decorative" xmlns="" val="1"/>
               </a:ext>
             </a:extLst>
           </p:cNvPr>
@@ -26380,7 +26380,7 @@
           <p:nvPr>
             <p:extLst>
               <p:ext uri="{386F3935-93C4-4BCD-93E2-E3B085C9AB24}">
-                <p16:designElem xmlns="" xmlns:p16="http://schemas.microsoft.com/office/powerpoint/2015/main" val="1"/>
+                <p16:designElem xmlns:p16="http://schemas.microsoft.com/office/powerpoint/2015/main" xmlns="" val="1"/>
               </p:ext>
             </p:extLst>
           </p:nvPr>
@@ -26434,10 +26434,10 @@
           <p:cNvPr id="12" name="Freeform 11">
             <a:extLst>
               <a:ext uri="{FF2B5EF4-FFF2-40B4-BE49-F238E27FC236}">
-                <a16:creationId xmlns="" xmlns:a16="http://schemas.microsoft.com/office/drawing/2014/main" id="{60F880A6-33D3-4EEC-A780-B73559B9F24C}"/>
+                <a16:creationId xmlns:a16="http://schemas.microsoft.com/office/drawing/2014/main" xmlns="" id="{60F880A6-33D3-4EEC-A780-B73559B9F24C}"/>
               </a:ext>
               <a:ext uri="{C183D7F6-B498-43B3-948B-1728B52AA6E4}">
-                <adec:decorative xmlns="" xmlns:adec="http://schemas.microsoft.com/office/drawing/2017/decorative" val="1"/>
+                <adec:decorative xmlns:adec="http://schemas.microsoft.com/office/drawing/2017/decorative" xmlns="" val="1"/>
               </a:ext>
             </a:extLst>
           </p:cNvPr>
@@ -26447,7 +26447,7 @@
           <p:nvPr>
             <p:extLst>
               <p:ext uri="{386F3935-93C4-4BCD-93E2-E3B085C9AB24}">
-                <p16:designElem xmlns="" xmlns:p16="http://schemas.microsoft.com/office/powerpoint/2015/main" val="1"/>
+                <p16:designElem xmlns:p16="http://schemas.microsoft.com/office/powerpoint/2015/main" xmlns="" val="1"/>
               </p:ext>
             </p:extLst>
           </p:nvPr>
@@ -26641,82 +26641,6 @@
               <a:t>5</a:t>
             </a:fld>
             <a:endParaRPr lang="fr-FR" dirty="0"/>
-          </a:p>
-        </p:txBody>
-      </p:sp>
-      <p:sp>
-        <p:nvSpPr>
-          <p:cNvPr id="5" name="ZoneTexte 4"/>
-          <p:cNvSpPr txBox="1"/>
-          <p:nvPr/>
-        </p:nvSpPr>
-        <p:spPr>
-          <a:xfrm>
-            <a:off x="947612" y="2894032"/>
-            <a:ext cx="3182480" cy="1077218"/>
-          </a:xfrm>
-          <a:prstGeom prst="rect">
-            <a:avLst/>
-          </a:prstGeom>
-          <a:noFill/>
-        </p:spPr>
-        <p:txBody>
-          <a:bodyPr wrap="square" rtlCol="0">
-            <a:spAutoFit/>
-          </a:bodyPr>
-          <a:lstStyle/>
-          <a:p>
-            <a:pPr algn="ctr"/>
-            <a:r>
-              <a:rPr lang="fr-CI" sz="3200" dirty="0" smtClean="0">
-                <a:solidFill>
-                  <a:schemeClr val="bg1"/>
-                </a:solidFill>
-              </a:rPr>
-              <a:t>OBJECTIFS DU PROJET</a:t>
-            </a:r>
-          </a:p>
-        </p:txBody>
-      </p:sp>
-      <p:sp>
-        <p:nvSpPr>
-          <p:cNvPr id="26" name="ZoneTexte 25"/>
-          <p:cNvSpPr txBox="1"/>
-          <p:nvPr/>
-        </p:nvSpPr>
-        <p:spPr>
-          <a:xfrm>
-            <a:off x="506378" y="3123005"/>
-            <a:ext cx="511573" cy="646331"/>
-          </a:xfrm>
-          <a:prstGeom prst="rect">
-            <a:avLst/>
-          </a:prstGeom>
-          <a:noFill/>
-        </p:spPr>
-        <p:txBody>
-          <a:bodyPr wrap="square" rtlCol="0">
-            <a:spAutoFit/>
-          </a:bodyPr>
-          <a:lstStyle/>
-          <a:p>
-            <a:r>
-              <a:rPr lang="fr-FR" sz="3600" dirty="0" smtClean="0">
-                <a:solidFill>
-                  <a:schemeClr val="bg1"/>
-                </a:solidFill>
-                <a:latin typeface="Arial" panose="020B0604020202020204" pitchFamily="34" charset="0"/>
-                <a:cs typeface="Arial" panose="020B0604020202020204" pitchFamily="34" charset="0"/>
-              </a:rPr>
-              <a:t>II</a:t>
-            </a:r>
-            <a:endParaRPr lang="fr-FR" sz="3600" dirty="0">
-              <a:solidFill>
-                <a:schemeClr val="bg1"/>
-              </a:solidFill>
-              <a:latin typeface="Arial" panose="020B0604020202020204" pitchFamily="34" charset="0"/>
-              <a:cs typeface="Arial" panose="020B0604020202020204" pitchFamily="34" charset="0"/>
-            </a:endParaRPr>
           </a:p>
         </p:txBody>
       </p:sp>
@@ -27270,6 +27194,142 @@
           </a:p>
         </p:txBody>
       </p:sp>
+      <p:sp>
+        <p:nvSpPr>
+          <p:cNvPr id="23" name="ZoneTexte 22"/>
+          <p:cNvSpPr txBox="1"/>
+          <p:nvPr/>
+        </p:nvSpPr>
+        <p:spPr>
+          <a:xfrm>
+            <a:off x="896096" y="2894032"/>
+            <a:ext cx="3182480" cy="1077218"/>
+          </a:xfrm>
+          <a:prstGeom prst="rect">
+            <a:avLst/>
+          </a:prstGeom>
+          <a:noFill/>
+        </p:spPr>
+        <p:txBody>
+          <a:bodyPr wrap="square" rtlCol="0">
+            <a:spAutoFit/>
+          </a:bodyPr>
+          <a:lstStyle/>
+          <a:p>
+            <a:pPr algn="ctr"/>
+            <a:r>
+              <a:rPr lang="fr-CI" sz="3200" dirty="0" smtClean="0">
+                <a:solidFill>
+                  <a:schemeClr val="bg1"/>
+                </a:solidFill>
+              </a:rPr>
+              <a:t>DÉVELOPEMENT </a:t>
+            </a:r>
+            <a:r>
+              <a:rPr lang="fr-CI" sz="3200" dirty="0">
+                <a:solidFill>
+                  <a:schemeClr val="bg1"/>
+                </a:solidFill>
+              </a:rPr>
+              <a:t>TECHNIQUE</a:t>
+            </a:r>
+            <a:endParaRPr lang="fr-CI" sz="3200" dirty="0" smtClean="0">
+              <a:solidFill>
+                <a:schemeClr val="bg1"/>
+              </a:solidFill>
+            </a:endParaRPr>
+          </a:p>
+        </p:txBody>
+      </p:sp>
+      <p:sp>
+        <p:nvSpPr>
+          <p:cNvPr id="25" name="ZoneTexte 24"/>
+          <p:cNvSpPr txBox="1"/>
+          <p:nvPr/>
+        </p:nvSpPr>
+        <p:spPr>
+          <a:xfrm>
+            <a:off x="492931" y="3096111"/>
+            <a:ext cx="511573" cy="646331"/>
+          </a:xfrm>
+          <a:prstGeom prst="rect">
+            <a:avLst/>
+          </a:prstGeom>
+          <a:noFill/>
+        </p:spPr>
+        <p:txBody>
+          <a:bodyPr wrap="square" rtlCol="0">
+            <a:spAutoFit/>
+          </a:bodyPr>
+          <a:lstStyle/>
+          <a:p>
+            <a:r>
+              <a:rPr lang="fr-FR" sz="3600" dirty="0" smtClean="0">
+                <a:solidFill>
+                  <a:schemeClr val="bg1"/>
+                </a:solidFill>
+                <a:latin typeface="Arial" panose="020B0604020202020204" pitchFamily="34" charset="0"/>
+                <a:cs typeface="Arial" panose="020B0604020202020204" pitchFamily="34" charset="0"/>
+              </a:rPr>
+              <a:t>II</a:t>
+            </a:r>
+            <a:endParaRPr lang="fr-FR" sz="3600" dirty="0">
+              <a:solidFill>
+                <a:schemeClr val="bg1"/>
+              </a:solidFill>
+              <a:latin typeface="Arial" panose="020B0604020202020204" pitchFamily="34" charset="0"/>
+              <a:cs typeface="Arial" panose="020B0604020202020204" pitchFamily="34" charset="0"/>
+            </a:endParaRPr>
+          </a:p>
+        </p:txBody>
+      </p:sp>
+      <p:sp>
+        <p:nvSpPr>
+          <p:cNvPr id="27" name="ZoneTexte 26"/>
+          <p:cNvSpPr txBox="1"/>
+          <p:nvPr/>
+        </p:nvSpPr>
+        <p:spPr>
+          <a:xfrm>
+            <a:off x="4078576" y="145650"/>
+            <a:ext cx="8113424" cy="584775"/>
+          </a:xfrm>
+          <a:prstGeom prst="rect">
+            <a:avLst/>
+          </a:prstGeom>
+          <a:noFill/>
+        </p:spPr>
+        <p:txBody>
+          <a:bodyPr wrap="square" rtlCol="0">
+            <a:spAutoFit/>
+          </a:bodyPr>
+          <a:lstStyle/>
+          <a:p>
+            <a:pPr algn="ctr"/>
+            <a:r>
+              <a:rPr lang="fr-CI" sz="3200" dirty="0" smtClean="0">
+                <a:solidFill>
+                  <a:srgbClr val="567791"/>
+                </a:solidFill>
+              </a:rPr>
+              <a:t>STRAT</a:t>
+            </a:r>
+            <a:r>
+              <a:rPr lang="fr-CI" sz="3200" dirty="0" smtClean="0">
+                <a:solidFill>
+                  <a:srgbClr val="567791"/>
+                </a:solidFill>
+              </a:rPr>
+              <a:t>ÉGIE</a:t>
+            </a:r>
+            <a:endParaRPr lang="fr-CI" sz="3200" dirty="0" smtClean="0">
+              <a:solidFill>
+                <a:srgbClr val="567791"/>
+              </a:solidFill>
+            </a:endParaRPr>
+          </a:p>
+        </p:txBody>
+      </p:sp>
     </p:spTree>
     <p:extLst>
       <p:ext uri="{BB962C8B-B14F-4D97-AF65-F5344CB8AC3E}">
@@ -27305,10 +27365,10 @@
           <p:cNvPr id="10" name="Rectangle 9">
             <a:extLst>
               <a:ext uri="{FF2B5EF4-FFF2-40B4-BE49-F238E27FC236}">
-                <a16:creationId xmlns="" xmlns:a16="http://schemas.microsoft.com/office/drawing/2014/main" id="{A3D9AEEE-1CCD-43C0-BA3E-16D60A6E23C0}"/>
+                <a16:creationId xmlns:a16="http://schemas.microsoft.com/office/drawing/2014/main" xmlns="" id="{A3D9AEEE-1CCD-43C0-BA3E-16D60A6E23C0}"/>
               </a:ext>
               <a:ext uri="{C183D7F6-B498-43B3-948B-1728B52AA6E4}">
-                <adec:decorative xmlns="" xmlns:adec="http://schemas.microsoft.com/office/drawing/2017/decorative" val="1"/>
+                <adec:decorative xmlns:adec="http://schemas.microsoft.com/office/drawing/2017/decorative" xmlns="" val="1"/>
               </a:ext>
             </a:extLst>
           </p:cNvPr>
@@ -27318,7 +27378,7 @@
           <p:nvPr>
             <p:extLst>
               <p:ext uri="{386F3935-93C4-4BCD-93E2-E3B085C9AB24}">
-                <p16:designElem xmlns="" xmlns:p16="http://schemas.microsoft.com/office/powerpoint/2015/main" val="1"/>
+                <p16:designElem xmlns:p16="http://schemas.microsoft.com/office/powerpoint/2015/main" xmlns="" val="1"/>
               </p:ext>
             </p:extLst>
           </p:nvPr>
@@ -27372,10 +27432,10 @@
           <p:cNvPr id="12" name="Freeform 11">
             <a:extLst>
               <a:ext uri="{FF2B5EF4-FFF2-40B4-BE49-F238E27FC236}">
-                <a16:creationId xmlns="" xmlns:a16="http://schemas.microsoft.com/office/drawing/2014/main" id="{60F880A6-33D3-4EEC-A780-B73559B9F24C}"/>
+                <a16:creationId xmlns:a16="http://schemas.microsoft.com/office/drawing/2014/main" xmlns="" id="{60F880A6-33D3-4EEC-A780-B73559B9F24C}"/>
               </a:ext>
               <a:ext uri="{C183D7F6-B498-43B3-948B-1728B52AA6E4}">
-                <adec:decorative xmlns="" xmlns:adec="http://schemas.microsoft.com/office/drawing/2017/decorative" val="1"/>
+                <adec:decorative xmlns:adec="http://schemas.microsoft.com/office/drawing/2017/decorative" xmlns="" val="1"/>
               </a:ext>
             </a:extLst>
           </p:cNvPr>
@@ -27385,7 +27445,7 @@
           <p:nvPr>
             <p:extLst>
               <p:ext uri="{386F3935-93C4-4BCD-93E2-E3B085C9AB24}">
-                <p16:designElem xmlns="" xmlns:p16="http://schemas.microsoft.com/office/powerpoint/2015/main" val="1"/>
+                <p16:designElem xmlns:p16="http://schemas.microsoft.com/office/powerpoint/2015/main" xmlns="" val="1"/>
               </p:ext>
             </p:extLst>
           </p:nvPr>
@@ -27582,82 +27642,6 @@
           </a:p>
         </p:txBody>
       </p:sp>
-      <p:sp>
-        <p:nvSpPr>
-          <p:cNvPr id="5" name="ZoneTexte 4"/>
-          <p:cNvSpPr txBox="1"/>
-          <p:nvPr/>
-        </p:nvSpPr>
-        <p:spPr>
-          <a:xfrm>
-            <a:off x="947612" y="2894032"/>
-            <a:ext cx="3182480" cy="1077218"/>
-          </a:xfrm>
-          <a:prstGeom prst="rect">
-            <a:avLst/>
-          </a:prstGeom>
-          <a:noFill/>
-        </p:spPr>
-        <p:txBody>
-          <a:bodyPr wrap="square" rtlCol="0">
-            <a:spAutoFit/>
-          </a:bodyPr>
-          <a:lstStyle/>
-          <a:p>
-            <a:pPr algn="ctr"/>
-            <a:r>
-              <a:rPr lang="fr-CI" sz="3200" dirty="0" smtClean="0">
-                <a:solidFill>
-                  <a:schemeClr val="bg1"/>
-                </a:solidFill>
-              </a:rPr>
-              <a:t>OBJECTIFS DU PROJET</a:t>
-            </a:r>
-          </a:p>
-        </p:txBody>
-      </p:sp>
-      <p:sp>
-        <p:nvSpPr>
-          <p:cNvPr id="26" name="ZoneTexte 25"/>
-          <p:cNvSpPr txBox="1"/>
-          <p:nvPr/>
-        </p:nvSpPr>
-        <p:spPr>
-          <a:xfrm>
-            <a:off x="506378" y="3123005"/>
-            <a:ext cx="511573" cy="646331"/>
-          </a:xfrm>
-          <a:prstGeom prst="rect">
-            <a:avLst/>
-          </a:prstGeom>
-          <a:noFill/>
-        </p:spPr>
-        <p:txBody>
-          <a:bodyPr wrap="square" rtlCol="0">
-            <a:spAutoFit/>
-          </a:bodyPr>
-          <a:lstStyle/>
-          <a:p>
-            <a:r>
-              <a:rPr lang="fr-FR" sz="3600" dirty="0" smtClean="0">
-                <a:solidFill>
-                  <a:schemeClr val="bg1"/>
-                </a:solidFill>
-                <a:latin typeface="Arial" panose="020B0604020202020204" pitchFamily="34" charset="0"/>
-                <a:cs typeface="Arial" panose="020B0604020202020204" pitchFamily="34" charset="0"/>
-              </a:rPr>
-              <a:t>II</a:t>
-            </a:r>
-            <a:endParaRPr lang="fr-FR" sz="3600" dirty="0">
-              <a:solidFill>
-                <a:schemeClr val="bg1"/>
-              </a:solidFill>
-              <a:latin typeface="Arial" panose="020B0604020202020204" pitchFamily="34" charset="0"/>
-              <a:cs typeface="Arial" panose="020B0604020202020204" pitchFamily="34" charset="0"/>
-            </a:endParaRPr>
-          </a:p>
-        </p:txBody>
-      </p:sp>
       <p:cxnSp>
         <p:nvCxnSpPr>
           <p:cNvPr id="9" name="Straight Connector 31"/>
@@ -27666,7 +27650,7 @@
         </p:nvCxnSpPr>
         <p:spPr>
           <a:xfrm flipV="1">
-            <a:off x="9710479" y="2948801"/>
+            <a:off x="9587950" y="3123077"/>
             <a:ext cx="1431232" cy="2335640"/>
           </a:xfrm>
           <a:prstGeom prst="line">
@@ -27704,7 +27688,7 @@
         </p:nvCxnSpPr>
         <p:spPr>
           <a:xfrm flipH="1" flipV="1">
-            <a:off x="9415396" y="3812179"/>
+            <a:off x="9292867" y="3986455"/>
             <a:ext cx="295083" cy="1472264"/>
           </a:xfrm>
           <a:prstGeom prst="line">
@@ -27742,7 +27726,7 @@
         </p:nvCxnSpPr>
         <p:spPr>
           <a:xfrm flipH="1" flipV="1">
-            <a:off x="8096421" y="4506833"/>
+            <a:off x="7973892" y="4681109"/>
             <a:ext cx="1542656" cy="777608"/>
           </a:xfrm>
           <a:prstGeom prst="line">
@@ -27780,7 +27764,7 @@
         </p:nvCxnSpPr>
         <p:spPr>
           <a:xfrm flipH="1" flipV="1">
-            <a:off x="6538834" y="4962874"/>
+            <a:off x="6416305" y="5137150"/>
             <a:ext cx="3100241" cy="321568"/>
           </a:xfrm>
           <a:prstGeom prst="line">
@@ -27816,7 +27800,7 @@
         </p:nvSpPr>
         <p:spPr>
           <a:xfrm>
-            <a:off x="8741444" y="4386810"/>
+            <a:off x="8618915" y="4561086"/>
             <a:ext cx="1795264" cy="1795264"/>
           </a:xfrm>
           <a:prstGeom prst="ellipse">
@@ -27862,7 +27846,7 @@
         </p:nvSpPr>
         <p:spPr>
           <a:xfrm>
-            <a:off x="5386705" y="4386810"/>
+            <a:off x="5264176" y="4561086"/>
             <a:ext cx="1152128" cy="1152128"/>
           </a:xfrm>
           <a:prstGeom prst="ellipse">
@@ -27910,7 +27894,7 @@
         </p:nvSpPr>
         <p:spPr>
           <a:xfrm>
-            <a:off x="7113019" y="3523430"/>
+            <a:off x="6990490" y="3697706"/>
             <a:ext cx="1152128" cy="1152128"/>
           </a:xfrm>
           <a:prstGeom prst="ellipse">
@@ -27956,7 +27940,7 @@
         </p:nvSpPr>
         <p:spPr>
           <a:xfrm>
-            <a:off x="8839332" y="2660051"/>
+            <a:off x="8716803" y="2834327"/>
             <a:ext cx="1152128" cy="1152128"/>
           </a:xfrm>
           <a:prstGeom prst="ellipse">
@@ -28004,7 +27988,7 @@
         </p:nvSpPr>
         <p:spPr>
           <a:xfrm>
-            <a:off x="10565647" y="1796673"/>
+            <a:off x="10443118" y="1970949"/>
             <a:ext cx="1152128" cy="1152128"/>
           </a:xfrm>
           <a:prstGeom prst="ellipse">
@@ -28050,7 +28034,7 @@
         </p:nvSpPr>
         <p:spPr>
           <a:xfrm rot="16200000">
-            <a:off x="9275944" y="4891364"/>
+            <a:off x="9153415" y="5065640"/>
             <a:ext cx="726265" cy="786156"/>
           </a:xfrm>
           <a:custGeom>
@@ -28179,7 +28163,7 @@
         </p:nvGrpSpPr>
         <p:grpSpPr>
           <a:xfrm>
-            <a:off x="5077704" y="2496585"/>
+            <a:off x="4955175" y="2670861"/>
             <a:ext cx="3648405" cy="885816"/>
             <a:chOff x="3017859" y="4374648"/>
             <a:chExt cx="1870812" cy="664362"/>
@@ -28273,7 +28257,7 @@
         </p:nvSpPr>
         <p:spPr>
           <a:xfrm>
-            <a:off x="10930238" y="2161882"/>
+            <a:off x="10807709" y="2336158"/>
             <a:ext cx="422945" cy="421709"/>
           </a:xfrm>
           <a:custGeom>
@@ -28752,7 +28736,7 @@
         </p:nvSpPr>
         <p:spPr>
           <a:xfrm rot="16200000">
-            <a:off x="9142793" y="2941032"/>
+            <a:off x="9020264" y="3115308"/>
             <a:ext cx="545207" cy="590167"/>
           </a:xfrm>
           <a:custGeom>
@@ -28881,7 +28865,7 @@
         </p:nvSpPr>
         <p:spPr>
           <a:xfrm rot="2700000">
-            <a:off x="7511801" y="3781664"/>
+            <a:off x="7389272" y="3955940"/>
             <a:ext cx="354560" cy="635660"/>
           </a:xfrm>
           <a:custGeom>
@@ -29043,7 +29027,7 @@
         </p:nvSpPr>
         <p:spPr>
           <a:xfrm>
-            <a:off x="5722686" y="4696568"/>
+            <a:off x="5600157" y="4870844"/>
             <a:ext cx="480167" cy="449479"/>
           </a:xfrm>
           <a:custGeom>
@@ -30847,6 +30831,134 @@
           </a:p>
         </p:txBody>
       </p:sp>
+      <p:sp>
+        <p:nvSpPr>
+          <p:cNvPr id="25" name="ZoneTexte 24"/>
+          <p:cNvSpPr txBox="1"/>
+          <p:nvPr/>
+        </p:nvSpPr>
+        <p:spPr>
+          <a:xfrm>
+            <a:off x="896096" y="2894032"/>
+            <a:ext cx="3182480" cy="1077218"/>
+          </a:xfrm>
+          <a:prstGeom prst="rect">
+            <a:avLst/>
+          </a:prstGeom>
+          <a:noFill/>
+        </p:spPr>
+        <p:txBody>
+          <a:bodyPr wrap="square" rtlCol="0">
+            <a:spAutoFit/>
+          </a:bodyPr>
+          <a:lstStyle/>
+          <a:p>
+            <a:pPr algn="ctr"/>
+            <a:r>
+              <a:rPr lang="fr-CI" sz="3200" dirty="0" smtClean="0">
+                <a:solidFill>
+                  <a:schemeClr val="bg1"/>
+                </a:solidFill>
+              </a:rPr>
+              <a:t>DÉVELOPEMENT </a:t>
+            </a:r>
+            <a:r>
+              <a:rPr lang="fr-CI" sz="3200" dirty="0">
+                <a:solidFill>
+                  <a:schemeClr val="bg1"/>
+                </a:solidFill>
+              </a:rPr>
+              <a:t>TECHNIQUE</a:t>
+            </a:r>
+            <a:endParaRPr lang="fr-CI" sz="3200" dirty="0" smtClean="0">
+              <a:solidFill>
+                <a:schemeClr val="bg1"/>
+              </a:solidFill>
+            </a:endParaRPr>
+          </a:p>
+        </p:txBody>
+      </p:sp>
+      <p:sp>
+        <p:nvSpPr>
+          <p:cNvPr id="27" name="ZoneTexte 26"/>
+          <p:cNvSpPr txBox="1"/>
+          <p:nvPr/>
+        </p:nvSpPr>
+        <p:spPr>
+          <a:xfrm>
+            <a:off x="492931" y="3096111"/>
+            <a:ext cx="511573" cy="646331"/>
+          </a:xfrm>
+          <a:prstGeom prst="rect">
+            <a:avLst/>
+          </a:prstGeom>
+          <a:noFill/>
+        </p:spPr>
+        <p:txBody>
+          <a:bodyPr wrap="square" rtlCol="0">
+            <a:spAutoFit/>
+          </a:bodyPr>
+          <a:lstStyle/>
+          <a:p>
+            <a:r>
+              <a:rPr lang="fr-FR" sz="3600" dirty="0" smtClean="0">
+                <a:solidFill>
+                  <a:schemeClr val="bg1"/>
+                </a:solidFill>
+                <a:latin typeface="Arial" panose="020B0604020202020204" pitchFamily="34" charset="0"/>
+                <a:cs typeface="Arial" panose="020B0604020202020204" pitchFamily="34" charset="0"/>
+              </a:rPr>
+              <a:t>II</a:t>
+            </a:r>
+            <a:endParaRPr lang="fr-FR" sz="3600" dirty="0">
+              <a:solidFill>
+                <a:schemeClr val="bg1"/>
+              </a:solidFill>
+              <a:latin typeface="Arial" panose="020B0604020202020204" pitchFamily="34" charset="0"/>
+              <a:cs typeface="Arial" panose="020B0604020202020204" pitchFamily="34" charset="0"/>
+            </a:endParaRPr>
+          </a:p>
+        </p:txBody>
+      </p:sp>
+      <p:sp>
+        <p:nvSpPr>
+          <p:cNvPr id="30" name="ZoneTexte 29"/>
+          <p:cNvSpPr txBox="1"/>
+          <p:nvPr/>
+        </p:nvSpPr>
+        <p:spPr>
+          <a:xfrm>
+            <a:off x="4078576" y="145650"/>
+            <a:ext cx="8113424" cy="584775"/>
+          </a:xfrm>
+          <a:prstGeom prst="rect">
+            <a:avLst/>
+          </a:prstGeom>
+          <a:noFill/>
+        </p:spPr>
+        <p:txBody>
+          <a:bodyPr wrap="square" rtlCol="0">
+            <a:spAutoFit/>
+          </a:bodyPr>
+          <a:lstStyle/>
+          <a:p>
+            <a:pPr algn="ctr"/>
+            <a:r>
+              <a:rPr lang="fr-CI" sz="3200" dirty="0">
+                <a:solidFill>
+                  <a:srgbClr val="567791"/>
+                </a:solidFill>
+              </a:rPr>
+              <a:t>OBJECTIF DU PROJETS</a:t>
+            </a:r>
+            <a:endParaRPr lang="fr-CI" sz="3200" dirty="0" smtClean="0">
+              <a:solidFill>
+                <a:srgbClr val="567791"/>
+              </a:solidFill>
+            </a:endParaRPr>
+          </a:p>
+        </p:txBody>
+      </p:sp>
     </p:spTree>
     <p:extLst>
       <p:ext uri="{BB962C8B-B14F-4D97-AF65-F5344CB8AC3E}">
@@ -30882,10 +30994,10 @@
           <p:cNvPr id="10" name="Rectangle 9">
             <a:extLst>
               <a:ext uri="{FF2B5EF4-FFF2-40B4-BE49-F238E27FC236}">
-                <a16:creationId xmlns="" xmlns:a16="http://schemas.microsoft.com/office/drawing/2014/main" id="{A3D9AEEE-1CCD-43C0-BA3E-16D60A6E23C0}"/>
+                <a16:creationId xmlns:a16="http://schemas.microsoft.com/office/drawing/2014/main" xmlns="" id="{A3D9AEEE-1CCD-43C0-BA3E-16D60A6E23C0}"/>
               </a:ext>
               <a:ext uri="{C183D7F6-B498-43B3-948B-1728B52AA6E4}">
-                <adec:decorative xmlns="" xmlns:adec="http://schemas.microsoft.com/office/drawing/2017/decorative" val="1"/>
+                <adec:decorative xmlns:adec="http://schemas.microsoft.com/office/drawing/2017/decorative" xmlns="" val="1"/>
               </a:ext>
             </a:extLst>
           </p:cNvPr>
@@ -30895,7 +31007,7 @@
           <p:nvPr>
             <p:extLst>
               <p:ext uri="{386F3935-93C4-4BCD-93E2-E3B085C9AB24}">
-                <p16:designElem xmlns="" xmlns:p16="http://schemas.microsoft.com/office/powerpoint/2015/main" val="1"/>
+                <p16:designElem xmlns:p16="http://schemas.microsoft.com/office/powerpoint/2015/main" xmlns="" val="1"/>
               </p:ext>
             </p:extLst>
           </p:nvPr>
@@ -30949,10 +31061,10 @@
           <p:cNvPr id="12" name="Freeform 11">
             <a:extLst>
               <a:ext uri="{FF2B5EF4-FFF2-40B4-BE49-F238E27FC236}">
-                <a16:creationId xmlns="" xmlns:a16="http://schemas.microsoft.com/office/drawing/2014/main" id="{60F880A6-33D3-4EEC-A780-B73559B9F24C}"/>
+                <a16:creationId xmlns:a16="http://schemas.microsoft.com/office/drawing/2014/main" xmlns="" id="{60F880A6-33D3-4EEC-A780-B73559B9F24C}"/>
               </a:ext>
               <a:ext uri="{C183D7F6-B498-43B3-948B-1728B52AA6E4}">
-                <adec:decorative xmlns="" xmlns:adec="http://schemas.microsoft.com/office/drawing/2017/decorative" val="1"/>
+                <adec:decorative xmlns:adec="http://schemas.microsoft.com/office/drawing/2017/decorative" xmlns="" val="1"/>
               </a:ext>
             </a:extLst>
           </p:cNvPr>
@@ -30962,7 +31074,7 @@
           <p:nvPr>
             <p:extLst>
               <p:ext uri="{386F3935-93C4-4BCD-93E2-E3B085C9AB24}">
-                <p16:designElem xmlns="" xmlns:p16="http://schemas.microsoft.com/office/powerpoint/2015/main" val="1"/>
+                <p16:designElem xmlns:p16="http://schemas.microsoft.com/office/powerpoint/2015/main" xmlns="" val="1"/>
               </p:ext>
             </p:extLst>
           </p:nvPr>
@@ -31575,14 +31687,14 @@
           <p:nvPr>
             <p:extLst>
               <p:ext uri="{D42A27DB-BD31-4B8C-83A1-F6EECF244321}">
-                <p14:modId xmlns:p14="http://schemas.microsoft.com/office/powerpoint/2010/main" val="2970058230"/>
+                <p14:modId xmlns:p14="http://schemas.microsoft.com/office/powerpoint/2010/main" val="2922485966"/>
               </p:ext>
             </p:extLst>
           </p:nvPr>
         </p:nvGraphicFramePr>
         <p:xfrm>
           <a:off x="267290" y="633045"/>
-          <a:ext cx="11662112" cy="5780352"/>
+          <a:ext cx="11662110" cy="5454256"/>
         </p:xfrm>
         <a:graphic>
           <a:graphicData uri="http://schemas.openxmlformats.org/drawingml/2006/table">
@@ -31591,44 +31703,45 @@
                 <a:tableStyleId>{93296810-A885-4BE3-A3E7-6D5BEEA58F35}</a:tableStyleId>
               </a:tblPr>
               <a:tblGrid>
-                <a:gridCol w="1457764">
+                <a:gridCol w="1480828">
                   <a:extLst>
                     <a:ext uri="{9D8B030D-6E8A-4147-A177-3AD203B41FA5}">
-                      <a16:colId xmlns:a16="http://schemas.microsoft.com/office/drawing/2014/main" xmlns="" val="20001"/>
+                      <a16:colId xmlns="" xmlns:a16="http://schemas.microsoft.com/office/drawing/2014/main" val="20001"/>
                     </a:ext>
                   </a:extLst>
                 </a:gridCol>
-                <a:gridCol w="1457764">
+                <a:gridCol w="1110752">
                   <a:extLst>
                     <a:ext uri="{9D8B030D-6E8A-4147-A177-3AD203B41FA5}">
-                      <a16:colId xmlns:a16="http://schemas.microsoft.com/office/drawing/2014/main" xmlns="" val="20002"/>
+                      <a16:colId xmlns="" xmlns:a16="http://schemas.microsoft.com/office/drawing/2014/main" val="20002"/>
                     </a:ext>
                   </a:extLst>
                 </a:gridCol>
-                <a:gridCol w="1457764">
+                <a:gridCol w="1295790"/>
+                <a:gridCol w="1295790">
                   <a:extLst>
                     <a:ext uri="{9D8B030D-6E8A-4147-A177-3AD203B41FA5}">
-                      <a16:colId xmlns:a16="http://schemas.microsoft.com/office/drawing/2014/main" xmlns="" val="20003"/>
+                      <a16:colId xmlns="" xmlns:a16="http://schemas.microsoft.com/office/drawing/2014/main" val="20003"/>
                     </a:ext>
                   </a:extLst>
                 </a:gridCol>
-                <a:gridCol w="1457764">
+                <a:gridCol w="1295790">
                   <a:extLst>
                     <a:ext uri="{9D8B030D-6E8A-4147-A177-3AD203B41FA5}">
-                      <a16:colId xmlns:a16="http://schemas.microsoft.com/office/drawing/2014/main" xmlns="" val="20004"/>
+                      <a16:colId xmlns="" xmlns:a16="http://schemas.microsoft.com/office/drawing/2014/main" val="20004"/>
                     </a:ext>
                   </a:extLst>
                 </a:gridCol>
-                <a:gridCol w="1457764">
+                <a:gridCol w="1295790">
                   <a:extLst>
                     <a:ext uri="{9D8B030D-6E8A-4147-A177-3AD203B41FA5}">
-                      <a16:colId xmlns:a16="http://schemas.microsoft.com/office/drawing/2014/main" xmlns="" val="20005"/>
+                      <a16:colId xmlns="" xmlns:a16="http://schemas.microsoft.com/office/drawing/2014/main" val="20005"/>
                     </a:ext>
                   </a:extLst>
                 </a:gridCol>
-                <a:gridCol w="1457764"/>
-                <a:gridCol w="1457764"/>
-                <a:gridCol w="1457764"/>
+                <a:gridCol w="1295790"/>
+                <a:gridCol w="1295790"/>
+                <a:gridCol w="1295790"/>
               </a:tblGrid>
               <a:tr h="552550">
                 <a:tc>
@@ -31659,21 +31772,21 @@
                             <a:schemeClr val="lt1"/>
                           </a:solidFill>
                           <a:effectLst/>
-                          <a:latin typeface="Arial" panose="020B0604020202020204" pitchFamily="34" charset="0"/>
+                          <a:latin typeface="Times New Roman" panose="02020603050405020304" pitchFamily="18" charset="0"/>
                           <a:ea typeface="+mn-ea"/>
-                          <a:cs typeface="Arial" panose="020B0604020202020204" pitchFamily="34" charset="0"/>
+                          <a:cs typeface="Times New Roman" panose="02020603050405020304" pitchFamily="18" charset="0"/>
                         </a:rPr>
                         <a:t>Capitals</a:t>
                       </a:r>
-                      <a:endParaRPr lang="ko-KR" altLang="en-US" sz="1600" b="0" dirty="0">
+                      <a:endParaRPr lang="ko-KR" altLang="en-US" sz="1800" b="0" dirty="0">
                         <a:solidFill>
                           <a:schemeClr val="tx1">
                             <a:lumMod val="65000"/>
                             <a:lumOff val="35000"/>
                           </a:schemeClr>
                         </a:solidFill>
-                        <a:latin typeface="Arial" panose="020B0604020202020204" pitchFamily="34" charset="0"/>
-                        <a:cs typeface="Arial" panose="020B0604020202020204" pitchFamily="34" charset="0"/>
+                        <a:latin typeface="Times New Roman" panose="02020603050405020304" pitchFamily="18" charset="0"/>
+                        <a:cs typeface="Times New Roman" panose="02020603050405020304" pitchFamily="18" charset="0"/>
                       </a:endParaRPr>
                     </a:p>
                   </a:txBody>
@@ -31735,21 +31848,21 @@
                         <a:defRPr/>
                       </a:pPr>
                       <a:r>
-                        <a:rPr lang="en-US" altLang="ko-KR" sz="1600" b="1" dirty="0" smtClean="0">
-                          <a:latin typeface="Arial" panose="020B0604020202020204" pitchFamily="34" charset="0"/>
-                          <a:cs typeface="Arial" panose="020B0604020202020204" pitchFamily="34" charset="0"/>
+                        <a:rPr lang="fr-FR" altLang="ko-KR" sz="1800" b="1" dirty="0" smtClean="0">
+                          <a:solidFill>
+                            <a:schemeClr val="bg1"/>
+                          </a:solidFill>
+                          <a:latin typeface="Times New Roman" panose="02020603050405020304" pitchFamily="18" charset="0"/>
+                          <a:cs typeface="Times New Roman" panose="02020603050405020304" pitchFamily="18" charset="0"/>
                         </a:rPr>
-                        <a:t>Continent</a:t>
+                        <a:t>Pays</a:t>
                       </a:r>
-                      <a:endParaRPr lang="ko-KR" altLang="en-US" sz="1600" b="1" dirty="0">
+                      <a:endParaRPr lang="ko-KR" altLang="en-US" sz="1800" b="1" dirty="0">
                         <a:solidFill>
-                          <a:schemeClr val="tx1">
-                            <a:lumMod val="65000"/>
-                            <a:lumOff val="35000"/>
-                          </a:schemeClr>
+                          <a:schemeClr val="bg1"/>
                         </a:solidFill>
-                        <a:latin typeface="Arial" panose="020B0604020202020204" pitchFamily="34" charset="0"/>
-                        <a:cs typeface="Arial" panose="020B0604020202020204" pitchFamily="34" charset="0"/>
+                        <a:latin typeface="Times New Roman" panose="02020603050405020304" pitchFamily="18" charset="0"/>
+                        <a:cs typeface="Times New Roman" panose="02020603050405020304" pitchFamily="18" charset="0"/>
                       </a:endParaRPr>
                     </a:p>
                   </a:txBody>
@@ -31802,21 +31915,21 @@
                         <a:defRPr/>
                       </a:pPr>
                       <a:r>
-                        <a:rPr lang="en-US" altLang="ko-KR" sz="1600" dirty="0" err="1" smtClean="0">
-                          <a:latin typeface="Arial" panose="020B0604020202020204" pitchFamily="34" charset="0"/>
-                          <a:cs typeface="Arial" panose="020B0604020202020204" pitchFamily="34" charset="0"/>
+                        <a:rPr lang="en-US" altLang="ko-KR" sz="1800" b="1" dirty="0" smtClean="0">
+                          <a:latin typeface="Times New Roman" panose="02020603050405020304" pitchFamily="18" charset="0"/>
+                          <a:cs typeface="Times New Roman" panose="02020603050405020304" pitchFamily="18" charset="0"/>
                         </a:rPr>
-                        <a:t>Esperance_vie</a:t>
+                        <a:t>Continent</a:t>
                       </a:r>
-                      <a:endParaRPr lang="ko-KR" altLang="en-US" sz="1600" b="0" dirty="0">
+                      <a:endParaRPr lang="ko-KR" altLang="en-US" sz="1800" b="0" dirty="0">
                         <a:solidFill>
                           <a:schemeClr val="tx1">
                             <a:lumMod val="65000"/>
                             <a:lumOff val="35000"/>
                           </a:schemeClr>
                         </a:solidFill>
-                        <a:latin typeface="Arial" panose="020B0604020202020204" pitchFamily="34" charset="0"/>
-                        <a:cs typeface="Arial" panose="020B0604020202020204" pitchFamily="34" charset="0"/>
+                        <a:latin typeface="Times New Roman" panose="02020603050405020304" pitchFamily="18" charset="0"/>
+                        <a:cs typeface="Times New Roman" panose="02020603050405020304" pitchFamily="18" charset="0"/>
                       </a:endParaRPr>
                     </a:p>
                   </a:txBody>
@@ -31869,21 +31982,88 @@
                         <a:defRPr/>
                       </a:pPr>
                       <a:r>
-                        <a:rPr lang="en-US" altLang="ko-KR" sz="1600" dirty="0" err="1" smtClean="0">
-                          <a:latin typeface="Arial" panose="020B0604020202020204" pitchFamily="34" charset="0"/>
-                          <a:cs typeface="Arial" panose="020B0604020202020204" pitchFamily="34" charset="0"/>
+                        <a:rPr lang="en-US" altLang="ko-KR" sz="1800" dirty="0" err="1" smtClean="0">
+                          <a:latin typeface="Times New Roman" panose="02020603050405020304" pitchFamily="18" charset="0"/>
+                          <a:cs typeface="Times New Roman" panose="02020603050405020304" pitchFamily="18" charset="0"/>
                         </a:rPr>
-                        <a:t>Mortalite_inf</a:t>
+                        <a:t>Esperance_vie</a:t>
                       </a:r>
-                      <a:endParaRPr lang="ko-KR" altLang="en-US" sz="1600" b="0" dirty="0">
+                      <a:endParaRPr lang="ko-KR" altLang="en-US" sz="1800" b="0" dirty="0">
                         <a:solidFill>
                           <a:schemeClr val="tx1">
                             <a:lumMod val="65000"/>
                             <a:lumOff val="35000"/>
                           </a:schemeClr>
                         </a:solidFill>
-                        <a:latin typeface="Arial" panose="020B0604020202020204" pitchFamily="34" charset="0"/>
-                        <a:cs typeface="Arial" panose="020B0604020202020204" pitchFamily="34" charset="0"/>
+                        <a:latin typeface="Times New Roman" panose="02020603050405020304" pitchFamily="18" charset="0"/>
+                        <a:cs typeface="Times New Roman" panose="02020603050405020304" pitchFamily="18" charset="0"/>
+                      </a:endParaRPr>
+                    </a:p>
+                  </a:txBody>
+                  <a:tcPr marL="121920" marR="121920" marT="60960" marB="60960" anchor="ctr">
+                    <a:lnT w="19050" cap="flat" cmpd="sng" algn="ctr">
+                      <a:solidFill>
+                        <a:schemeClr val="accent1"/>
+                      </a:solidFill>
+                      <a:prstDash val="solid"/>
+                      <a:round/>
+                      <a:headEnd type="none" w="med" len="med"/>
+                      <a:tailEnd type="none" w="med" len="med"/>
+                    </a:lnT>
+                    <a:lnB w="19050" cap="flat" cmpd="sng" algn="ctr">
+                      <a:solidFill>
+                        <a:schemeClr val="bg1"/>
+                      </a:solidFill>
+                      <a:prstDash val="solid"/>
+                      <a:round/>
+                      <a:headEnd type="none" w="med" len="med"/>
+                      <a:tailEnd type="none" w="med" len="med"/>
+                    </a:lnB>
+                    <a:solidFill>
+                      <a:srgbClr val="567791">
+                        <a:alpha val="70000"/>
+                      </a:srgbClr>
+                    </a:solidFill>
+                  </a:tcPr>
+                </a:tc>
+                <a:tc>
+                  <a:txBody>
+                    <a:bodyPr/>
+                    <a:lstStyle/>
+                    <a:p>
+                      <a:pPr marL="0" marR="0" indent="0" algn="ctr" defTabSz="914400" rtl="0" eaLnBrk="1" fontAlgn="auto" latinLnBrk="1" hangingPunct="1">
+                        <a:lnSpc>
+                          <a:spcPct val="100000"/>
+                        </a:lnSpc>
+                        <a:spcBef>
+                          <a:spcPts val="0"/>
+                        </a:spcBef>
+                        <a:spcAft>
+                          <a:spcPts val="0"/>
+                        </a:spcAft>
+                        <a:buClrTx/>
+                        <a:buSzTx/>
+                        <a:buFontTx/>
+                        <a:buNone/>
+                        <a:tabLst/>
+                        <a:defRPr/>
+                      </a:pPr>
+                      <a:r>
+                        <a:rPr lang="en-US" altLang="ko-KR" sz="1800" dirty="0" err="1" smtClean="0">
+                          <a:latin typeface="Times New Roman" panose="02020603050405020304" pitchFamily="18" charset="0"/>
+                          <a:cs typeface="Times New Roman" panose="02020603050405020304" pitchFamily="18" charset="0"/>
+                        </a:rPr>
+                        <a:t>Mortalite_inf</a:t>
+                      </a:r>
+                      <a:endParaRPr lang="ko-KR" altLang="en-US" sz="1800" b="0" dirty="0">
+                        <a:solidFill>
+                          <a:schemeClr val="tx1">
+                            <a:lumMod val="65000"/>
+                            <a:lumOff val="35000"/>
+                          </a:schemeClr>
+                        </a:solidFill>
+                        <a:latin typeface="Times New Roman" panose="02020603050405020304" pitchFamily="18" charset="0"/>
+                        <a:cs typeface="Times New Roman" panose="02020603050405020304" pitchFamily="18" charset="0"/>
                       </a:endParaRPr>
                     </a:p>
                   </a:txBody>
@@ -31936,21 +32116,21 @@
                         <a:defRPr/>
                       </a:pPr>
                       <a:r>
-                        <a:rPr lang="en-US" altLang="ko-KR" sz="1600" dirty="0" err="1" smtClean="0">
-                          <a:latin typeface="Arial" panose="020B0604020202020204" pitchFamily="34" charset="0"/>
-                          <a:cs typeface="Arial" panose="020B0604020202020204" pitchFamily="34" charset="0"/>
+                        <a:rPr lang="en-US" altLang="ko-KR" sz="1800" dirty="0" err="1" smtClean="0">
+                          <a:latin typeface="Times New Roman" panose="02020603050405020304" pitchFamily="18" charset="0"/>
+                          <a:cs typeface="Times New Roman" panose="02020603050405020304" pitchFamily="18" charset="0"/>
                         </a:rPr>
                         <a:t>Indice_perf_env</a:t>
                       </a:r>
-                      <a:endParaRPr lang="ko-KR" altLang="en-US" sz="1600" b="0" dirty="0">
+                      <a:endParaRPr lang="ko-KR" altLang="en-US" sz="1800" b="0" dirty="0">
                         <a:solidFill>
                           <a:schemeClr val="tx1">
                             <a:lumMod val="65000"/>
                             <a:lumOff val="35000"/>
                           </a:schemeClr>
                         </a:solidFill>
-                        <a:latin typeface="Arial" panose="020B0604020202020204" pitchFamily="34" charset="0"/>
-                        <a:cs typeface="Arial" panose="020B0604020202020204" pitchFamily="34" charset="0"/>
+                        <a:latin typeface="Times New Roman" panose="02020603050405020304" pitchFamily="18" charset="0"/>
+                        <a:cs typeface="Times New Roman" panose="02020603050405020304" pitchFamily="18" charset="0"/>
                       </a:endParaRPr>
                     </a:p>
                   </a:txBody>
@@ -32003,21 +32183,21 @@
                         <a:defRPr/>
                       </a:pPr>
                       <a:r>
-                        <a:rPr lang="fr-FR" altLang="ko-KR" sz="1600" b="1" dirty="0" err="1" smtClean="0">
+                        <a:rPr lang="fr-FR" altLang="ko-KR" sz="1800" b="1" dirty="0" err="1" smtClean="0">
                           <a:solidFill>
                             <a:schemeClr val="bg1"/>
                           </a:solidFill>
-                          <a:latin typeface="Arial" panose="020B0604020202020204" pitchFamily="34" charset="0"/>
-                          <a:cs typeface="Arial" panose="020B0604020202020204" pitchFamily="34" charset="0"/>
+                          <a:latin typeface="Times New Roman" panose="02020603050405020304" pitchFamily="18" charset="0"/>
+                          <a:cs typeface="Times New Roman" panose="02020603050405020304" pitchFamily="18" charset="0"/>
                         </a:rPr>
                         <a:t>Mortalite</a:t>
                       </a:r>
-                      <a:endParaRPr lang="ko-KR" altLang="en-US" sz="1600" b="1" dirty="0">
+                      <a:endParaRPr lang="ko-KR" altLang="en-US" sz="1800" b="1" dirty="0">
                         <a:solidFill>
                           <a:schemeClr val="bg1"/>
                         </a:solidFill>
-                        <a:latin typeface="Arial" panose="020B0604020202020204" pitchFamily="34" charset="0"/>
-                        <a:cs typeface="Arial" panose="020B0604020202020204" pitchFamily="34" charset="0"/>
+                        <a:latin typeface="Times New Roman" panose="02020603050405020304" pitchFamily="18" charset="0"/>
+                        <a:cs typeface="Times New Roman" panose="02020603050405020304" pitchFamily="18" charset="0"/>
                       </a:endParaRPr>
                     </a:p>
                   </a:txBody>
@@ -32070,21 +32250,21 @@
                         <a:defRPr/>
                       </a:pPr>
                       <a:r>
-                        <a:rPr lang="fr-FR" altLang="ko-KR" sz="1600" b="1" dirty="0" smtClean="0">
+                        <a:rPr lang="fr-FR" altLang="ko-KR" sz="1800" b="1" dirty="0" smtClean="0">
                           <a:solidFill>
                             <a:schemeClr val="bg1"/>
                           </a:solidFill>
-                          <a:latin typeface="Arial" panose="020B0604020202020204" pitchFamily="34" charset="0"/>
-                          <a:cs typeface="Arial" panose="020B0604020202020204" pitchFamily="34" charset="0"/>
+                          <a:latin typeface="Times New Roman" panose="02020603050405020304" pitchFamily="18" charset="0"/>
+                          <a:cs typeface="Times New Roman" panose="02020603050405020304" pitchFamily="18" charset="0"/>
                         </a:rPr>
                         <a:t>tourisme</a:t>
                       </a:r>
-                      <a:endParaRPr lang="ko-KR" altLang="en-US" sz="1600" b="1" dirty="0">
+                      <a:endParaRPr lang="ko-KR" altLang="en-US" sz="1800" b="1" dirty="0">
                         <a:solidFill>
                           <a:schemeClr val="bg1"/>
                         </a:solidFill>
-                        <a:latin typeface="Arial" panose="020B0604020202020204" pitchFamily="34" charset="0"/>
-                        <a:cs typeface="Arial" panose="020B0604020202020204" pitchFamily="34" charset="0"/>
+                        <a:latin typeface="Times New Roman" panose="02020603050405020304" pitchFamily="18" charset="0"/>
+                        <a:cs typeface="Times New Roman" panose="02020603050405020304" pitchFamily="18" charset="0"/>
                       </a:endParaRPr>
                     </a:p>
                   </a:txBody>
@@ -32137,31 +32317,31 @@
                         <a:defRPr/>
                       </a:pPr>
                       <a:r>
-                        <a:rPr lang="fr-FR" altLang="ko-KR" sz="1600" b="1" dirty="0" err="1" smtClean="0">
+                        <a:rPr lang="fr-FR" altLang="ko-KR" sz="1800" b="1" dirty="0" err="1" smtClean="0">
                           <a:solidFill>
                             <a:schemeClr val="bg1"/>
                           </a:solidFill>
-                          <a:latin typeface="Arial" panose="020B0604020202020204" pitchFamily="34" charset="0"/>
-                          <a:cs typeface="Arial" panose="020B0604020202020204" pitchFamily="34" charset="0"/>
+                          <a:latin typeface="Times New Roman" panose="02020603050405020304" pitchFamily="18" charset="0"/>
+                          <a:cs typeface="Times New Roman" panose="02020603050405020304" pitchFamily="18" charset="0"/>
                         </a:rPr>
                         <a:t>pib</a:t>
                       </a:r>
                       <a:r>
-                        <a:rPr lang="fr-FR" altLang="ko-KR" sz="1600" b="1" dirty="0" smtClean="0">
+                        <a:rPr lang="fr-FR" altLang="ko-KR" sz="1800" b="1" dirty="0" smtClean="0">
                           <a:solidFill>
                             <a:schemeClr val="bg1"/>
                           </a:solidFill>
-                          <a:latin typeface="Arial" panose="020B0604020202020204" pitchFamily="34" charset="0"/>
-                          <a:cs typeface="Arial" panose="020B0604020202020204" pitchFamily="34" charset="0"/>
+                          <a:latin typeface="Times New Roman" panose="02020603050405020304" pitchFamily="18" charset="0"/>
+                          <a:cs typeface="Times New Roman" panose="02020603050405020304" pitchFamily="18" charset="0"/>
                         </a:rPr>
                         <a:t>-par-habitant</a:t>
                       </a:r>
-                      <a:endParaRPr lang="ko-KR" altLang="en-US" sz="1600" b="1" dirty="0">
+                      <a:endParaRPr lang="ko-KR" altLang="en-US" sz="1800" b="1" dirty="0">
                         <a:solidFill>
                           <a:schemeClr val="bg1"/>
                         </a:solidFill>
-                        <a:latin typeface="Arial" panose="020B0604020202020204" pitchFamily="34" charset="0"/>
-                        <a:cs typeface="Arial" panose="020B0604020202020204" pitchFamily="34" charset="0"/>
+                        <a:latin typeface="Times New Roman" panose="02020603050405020304" pitchFamily="18" charset="0"/>
+                        <a:cs typeface="Times New Roman" panose="02020603050405020304" pitchFamily="18" charset="0"/>
                       </a:endParaRPr>
                     </a:p>
                   </a:txBody>
@@ -32193,7 +32373,7 @@
                 </a:tc>
                 <a:extLst>
                   <a:ext uri="{0D108BD9-81ED-4DB2-BD59-A6C34878D82A}">
-                    <a16:rowId xmlns:a16="http://schemas.microsoft.com/office/drawing/2014/main" xmlns="" val="10000"/>
+                    <a16:rowId xmlns="" xmlns:a16="http://schemas.microsoft.com/office/drawing/2014/main" val="10000"/>
                   </a:ext>
                 </a:extLst>
               </a:tr>
@@ -32220,12 +32400,22 @@
                         <a:tabLst/>
                         <a:defRPr/>
                       </a:pPr>
-                      <a:endParaRPr lang="ko-KR" altLang="en-US" sz="1600" dirty="0">
+                      <a:r>
+                        <a:rPr lang="fr-FR" altLang="ko-KR" sz="1400" dirty="0" smtClean="0">
+                          <a:solidFill>
+                            <a:srgbClr val="567791"/>
+                          </a:solidFill>
+                          <a:latin typeface="Times New Roman" panose="02020603050405020304" pitchFamily="18" charset="0"/>
+                          <a:cs typeface="Times New Roman" panose="02020603050405020304" pitchFamily="18" charset="0"/>
+                        </a:rPr>
+                        <a:t>ABU DHABI</a:t>
+                      </a:r>
+                      <a:endParaRPr lang="ko-KR" altLang="en-US" sz="1400" dirty="0">
                         <a:solidFill>
-                          <a:schemeClr val="accent2"/>
+                          <a:srgbClr val="567791"/>
                         </a:solidFill>
-                        <a:latin typeface="Arial" panose="020B0604020202020204" pitchFamily="34" charset="0"/>
-                        <a:cs typeface="Arial" panose="020B0604020202020204" pitchFamily="34" charset="0"/>
+                        <a:latin typeface="Times New Roman" panose="02020603050405020304" pitchFamily="18" charset="0"/>
+                        <a:cs typeface="Times New Roman" panose="02020603050405020304" pitchFamily="18" charset="0"/>
                       </a:endParaRPr>
                     </a:p>
                   </a:txBody>
@@ -32286,12 +32476,22 @@
                         <a:tabLst/>
                         <a:defRPr/>
                       </a:pPr>
-                      <a:endParaRPr lang="ko-KR" altLang="en-US" sz="1600" dirty="0">
+                      <a:r>
+                        <a:rPr lang="fr-FR" altLang="ko-KR" sz="1400" dirty="0" smtClean="0">
+                          <a:solidFill>
+                            <a:srgbClr val="567791"/>
+                          </a:solidFill>
+                          <a:latin typeface="Times New Roman" panose="02020603050405020304" pitchFamily="18" charset="0"/>
+                          <a:cs typeface="Times New Roman" panose="02020603050405020304" pitchFamily="18" charset="0"/>
+                        </a:rPr>
+                        <a:t>EMIRATS ARABES UNIS</a:t>
+                      </a:r>
+                      <a:endParaRPr lang="ko-KR" altLang="en-US" sz="1400" dirty="0">
                         <a:solidFill>
-                          <a:schemeClr val="accent3"/>
+                          <a:srgbClr val="567791"/>
                         </a:solidFill>
-                        <a:latin typeface="Arial" panose="020B0604020202020204" pitchFamily="34" charset="0"/>
-                        <a:cs typeface="Arial" panose="020B0604020202020204" pitchFamily="34" charset="0"/>
+                        <a:latin typeface="Times New Roman" panose="02020603050405020304" pitchFamily="18" charset="0"/>
+                        <a:cs typeface="Times New Roman" panose="02020603050405020304" pitchFamily="18" charset="0"/>
                       </a:endParaRPr>
                     </a:p>
                   </a:txBody>
@@ -32345,12 +32545,23 @@
                         <a:tabLst/>
                         <a:defRPr/>
                       </a:pPr>
-                      <a:endParaRPr lang="ko-KR" altLang="en-US" sz="1600" dirty="0">
+                      <a:r>
+                        <a:rPr lang="fr-FR" sz="1400" dirty="0" smtClean="0">
+                          <a:solidFill>
+                            <a:srgbClr val="567791"/>
+                          </a:solidFill>
+                          <a:effectLst/>
+                          <a:latin typeface="Times New Roman" panose="02020603050405020304" pitchFamily="18" charset="0"/>
+                          <a:cs typeface="Times New Roman" panose="02020603050405020304" pitchFamily="18" charset="0"/>
+                        </a:rPr>
+                        <a:t>ASIE</a:t>
+                      </a:r>
+                      <a:endParaRPr lang="ko-KR" altLang="en-US" sz="1400" dirty="0">
                         <a:solidFill>
-                          <a:schemeClr val="accent2"/>
+                          <a:srgbClr val="567791"/>
                         </a:solidFill>
-                        <a:latin typeface="Arial" panose="020B0604020202020204" pitchFamily="34" charset="0"/>
-                        <a:cs typeface="Arial" panose="020B0604020202020204" pitchFamily="34" charset="0"/>
+                        <a:latin typeface="Times New Roman" panose="02020603050405020304" pitchFamily="18" charset="0"/>
+                        <a:cs typeface="Times New Roman" panose="02020603050405020304" pitchFamily="18" charset="0"/>
                       </a:endParaRPr>
                     </a:p>
                   </a:txBody>
@@ -32400,12 +32611,22 @@
                         <a:tabLst/>
                         <a:defRPr/>
                       </a:pPr>
-                      <a:endParaRPr lang="ko-KR" altLang="en-US" sz="1600" dirty="0">
+                      <a:r>
+                        <a:rPr lang="fr-FR" altLang="ko-KR" sz="1400" dirty="0" smtClean="0">
+                          <a:solidFill>
+                            <a:srgbClr val="567791"/>
+                          </a:solidFill>
+                          <a:latin typeface="Times New Roman" panose="02020603050405020304" pitchFamily="18" charset="0"/>
+                          <a:cs typeface="Times New Roman" panose="02020603050405020304" pitchFamily="18" charset="0"/>
+                        </a:rPr>
+                        <a:t>77.37</a:t>
+                      </a:r>
+                      <a:endParaRPr lang="ko-KR" altLang="en-US" sz="1400" dirty="0">
                         <a:solidFill>
-                          <a:schemeClr val="accent3"/>
+                          <a:srgbClr val="567791"/>
                         </a:solidFill>
-                        <a:latin typeface="Arial" panose="020B0604020202020204" pitchFamily="34" charset="0"/>
-                        <a:cs typeface="Arial" panose="020B0604020202020204" pitchFamily="34" charset="0"/>
+                        <a:latin typeface="Times New Roman" panose="02020603050405020304" pitchFamily="18" charset="0"/>
+                        <a:cs typeface="Times New Roman" panose="02020603050405020304" pitchFamily="18" charset="0"/>
                       </a:endParaRPr>
                     </a:p>
                   </a:txBody>
@@ -32429,11 +32650,7 @@
                       <a:tailEnd type="none" w="med" len="med"/>
                     </a:lnB>
                     <a:solidFill>
-                      <a:schemeClr val="accent3">
-                        <a:lumMod val="20000"/>
-                        <a:lumOff val="80000"/>
-                        <a:alpha val="40000"/>
-                      </a:schemeClr>
+                      <a:srgbClr val="F8F8F8"/>
                     </a:solidFill>
                   </a:tcPr>
                 </a:tc>
@@ -32459,12 +32676,22 @@
                         <a:tabLst/>
                         <a:defRPr/>
                       </a:pPr>
-                      <a:endParaRPr lang="ko-KR" altLang="en-US" sz="1600" dirty="0">
+                      <a:r>
+                        <a:rPr lang="fr-FR" altLang="ko-KR" sz="1400" dirty="0" smtClean="0">
+                          <a:solidFill>
+                            <a:srgbClr val="567791"/>
+                          </a:solidFill>
+                          <a:latin typeface="Times New Roman" panose="02020603050405020304" pitchFamily="18" charset="0"/>
+                          <a:cs typeface="Times New Roman" panose="02020603050405020304" pitchFamily="18" charset="0"/>
+                        </a:rPr>
+                        <a:t>5.90</a:t>
+                      </a:r>
+                      <a:endParaRPr lang="ko-KR" altLang="en-US" sz="1400" dirty="0">
                         <a:solidFill>
-                          <a:schemeClr val="accent2"/>
+                          <a:srgbClr val="567791"/>
                         </a:solidFill>
-                        <a:latin typeface="Arial" panose="020B0604020202020204" pitchFamily="34" charset="0"/>
-                        <a:cs typeface="Arial" panose="020B0604020202020204" pitchFamily="34" charset="0"/>
+                        <a:latin typeface="Times New Roman" panose="02020603050405020304" pitchFamily="18" charset="0"/>
+                        <a:cs typeface="Times New Roman" panose="02020603050405020304" pitchFamily="18" charset="0"/>
                       </a:endParaRPr>
                     </a:p>
                   </a:txBody>
@@ -32514,12 +32741,22 @@
                         <a:tabLst/>
                         <a:defRPr/>
                       </a:pPr>
-                      <a:endParaRPr lang="ko-KR" altLang="en-US" sz="1600" dirty="0">
+                      <a:r>
+                        <a:rPr lang="fr-FR" altLang="ko-KR" sz="1400" dirty="0" smtClean="0">
+                          <a:solidFill>
+                            <a:srgbClr val="567791"/>
+                          </a:solidFill>
+                          <a:latin typeface="Times New Roman" panose="02020603050405020304" pitchFamily="18" charset="0"/>
+                          <a:cs typeface="Times New Roman" panose="02020603050405020304" pitchFamily="18" charset="0"/>
+                        </a:rPr>
+                        <a:t>58.90</a:t>
+                      </a:r>
+                      <a:endParaRPr lang="ko-KR" altLang="en-US" sz="1400" dirty="0">
                         <a:solidFill>
-                          <a:schemeClr val="accent2"/>
+                          <a:srgbClr val="567791"/>
                         </a:solidFill>
-                        <a:latin typeface="Arial" panose="020B0604020202020204" pitchFamily="34" charset="0"/>
-                        <a:cs typeface="Arial" panose="020B0604020202020204" pitchFamily="34" charset="0"/>
+                        <a:latin typeface="Times New Roman" panose="02020603050405020304" pitchFamily="18" charset="0"/>
+                        <a:cs typeface="Times New Roman" panose="02020603050405020304" pitchFamily="18" charset="0"/>
                       </a:endParaRPr>
                     </a:p>
                   </a:txBody>
@@ -32569,12 +32806,12 @@
                         <a:tabLst/>
                         <a:defRPr/>
                       </a:pPr>
-                      <a:endParaRPr lang="ko-KR" altLang="en-US" sz="1600" dirty="0">
+                      <a:endParaRPr lang="ko-KR" altLang="en-US" sz="1400" dirty="0">
                         <a:solidFill>
-                          <a:schemeClr val="accent2"/>
+                          <a:srgbClr val="567791"/>
                         </a:solidFill>
-                        <a:latin typeface="Arial" panose="020B0604020202020204" pitchFamily="34" charset="0"/>
-                        <a:cs typeface="Arial" panose="020B0604020202020204" pitchFamily="34" charset="0"/>
+                        <a:latin typeface="Times New Roman" panose="02020603050405020304" pitchFamily="18" charset="0"/>
+                        <a:cs typeface="Times New Roman" panose="02020603050405020304" pitchFamily="18" charset="0"/>
                       </a:endParaRPr>
                     </a:p>
                   </a:txBody>
@@ -32624,12 +32861,12 @@
                         <a:tabLst/>
                         <a:defRPr/>
                       </a:pPr>
-                      <a:endParaRPr lang="ko-KR" altLang="en-US" sz="1600" dirty="0">
+                      <a:endParaRPr lang="ko-KR" altLang="en-US" sz="1400" dirty="0">
                         <a:solidFill>
-                          <a:schemeClr val="accent2"/>
+                          <a:srgbClr val="567791"/>
                         </a:solidFill>
-                        <a:latin typeface="Arial" panose="020B0604020202020204" pitchFamily="34" charset="0"/>
-                        <a:cs typeface="Arial" panose="020B0604020202020204" pitchFamily="34" charset="0"/>
+                        <a:latin typeface="Times New Roman" panose="02020603050405020304" pitchFamily="18" charset="0"/>
+                        <a:cs typeface="Times New Roman" panose="02020603050405020304" pitchFamily="18" charset="0"/>
                       </a:endParaRPr>
                     </a:p>
                   </a:txBody>
@@ -32657,6 +32894,61 @@
                     </a:solidFill>
                   </a:tcPr>
                 </a:tc>
+                <a:tc>
+                  <a:txBody>
+                    <a:bodyPr/>
+                    <a:lstStyle/>
+                    <a:p>
+                      <a:pPr marL="0" marR="0" indent="0" algn="ctr" defTabSz="914400" rtl="0" eaLnBrk="1" fontAlgn="auto" latinLnBrk="1" hangingPunct="1">
+                        <a:lnSpc>
+                          <a:spcPct val="100000"/>
+                        </a:lnSpc>
+                        <a:spcBef>
+                          <a:spcPts val="0"/>
+                        </a:spcBef>
+                        <a:spcAft>
+                          <a:spcPts val="0"/>
+                        </a:spcAft>
+                        <a:buClrTx/>
+                        <a:buSzTx/>
+                        <a:buFontTx/>
+                        <a:buNone/>
+                        <a:tabLst/>
+                        <a:defRPr/>
+                      </a:pPr>
+                      <a:endParaRPr lang="ko-KR" altLang="en-US" sz="1400" dirty="0">
+                        <a:solidFill>
+                          <a:srgbClr val="567791"/>
+                        </a:solidFill>
+                        <a:latin typeface="Times New Roman" panose="02020603050405020304" pitchFamily="18" charset="0"/>
+                        <a:cs typeface="Times New Roman" panose="02020603050405020304" pitchFamily="18" charset="0"/>
+                      </a:endParaRPr>
+                    </a:p>
+                  </a:txBody>
+                  <a:tcPr marL="121920" marR="121920" marT="60960" marB="60960" anchor="ctr">
+                    <a:lnT w="19050" cap="flat" cmpd="sng" algn="ctr">
+                      <a:solidFill>
+                        <a:schemeClr val="bg1"/>
+                      </a:solidFill>
+                      <a:prstDash val="solid"/>
+                      <a:round/>
+                      <a:headEnd type="none" w="med" len="med"/>
+                      <a:tailEnd type="none" w="med" len="med"/>
+                    </a:lnT>
+                    <a:lnB w="19050" cap="flat" cmpd="sng" algn="ctr">
+                      <a:solidFill>
+                        <a:schemeClr val="bg1"/>
+                      </a:solidFill>
+                      <a:prstDash val="solid"/>
+                      <a:round/>
+                      <a:headEnd type="none" w="med" len="med"/>
+                      <a:tailEnd type="none" w="med" len="med"/>
+                    </a:lnB>
+                    <a:solidFill>
+                      <a:srgbClr val="D9D9D9"/>
+                    </a:solidFill>
+                  </a:tcPr>
+                </a:tc>
               </a:tr>
               <a:tr h="574528">
                 <a:tc>
@@ -32681,12 +32973,22 @@
                         <a:tabLst/>
                         <a:defRPr/>
                       </a:pPr>
-                      <a:endParaRPr lang="ko-KR" altLang="en-US" sz="1600" dirty="0">
+                      <a:r>
+                        <a:rPr lang="fr-FR" altLang="ko-KR" sz="1400" dirty="0" smtClean="0">
+                          <a:solidFill>
+                            <a:srgbClr val="567791"/>
+                          </a:solidFill>
+                          <a:latin typeface="Times New Roman" panose="02020603050405020304" pitchFamily="18" charset="0"/>
+                          <a:cs typeface="Times New Roman" panose="02020603050405020304" pitchFamily="18" charset="0"/>
+                        </a:rPr>
+                        <a:t>ABUJA</a:t>
+                      </a:r>
+                      <a:endParaRPr lang="ko-KR" altLang="en-US" sz="1400" dirty="0">
                         <a:solidFill>
-                          <a:schemeClr val="accent2"/>
+                          <a:srgbClr val="567791"/>
                         </a:solidFill>
-                        <a:latin typeface="Arial" panose="020B0604020202020204" pitchFamily="34" charset="0"/>
-                        <a:cs typeface="Arial" panose="020B0604020202020204" pitchFamily="34" charset="0"/>
+                        <a:latin typeface="Times New Roman" panose="02020603050405020304" pitchFamily="18" charset="0"/>
+                        <a:cs typeface="Times New Roman" panose="02020603050405020304" pitchFamily="18" charset="0"/>
                       </a:endParaRPr>
                     </a:p>
                   </a:txBody>
@@ -32747,12 +33049,22 @@
                         <a:tabLst/>
                         <a:defRPr/>
                       </a:pPr>
-                      <a:endParaRPr lang="ko-KR" altLang="en-US" sz="1600" dirty="0">
+                      <a:r>
+                        <a:rPr lang="fr-FR" altLang="ko-KR" sz="1400" dirty="0" smtClean="0">
+                          <a:solidFill>
+                            <a:srgbClr val="567791"/>
+                          </a:solidFill>
+                          <a:latin typeface="Times New Roman" panose="02020603050405020304" pitchFamily="18" charset="0"/>
+                          <a:cs typeface="Times New Roman" panose="02020603050405020304" pitchFamily="18" charset="0"/>
+                        </a:rPr>
+                        <a:t>NIGERIA</a:t>
+                      </a:r>
+                      <a:endParaRPr lang="ko-KR" altLang="en-US" sz="1400" dirty="0">
                         <a:solidFill>
-                          <a:schemeClr val="accent3"/>
+                          <a:srgbClr val="567791"/>
                         </a:solidFill>
-                        <a:latin typeface="Arial" panose="020B0604020202020204" pitchFamily="34" charset="0"/>
-                        <a:cs typeface="Arial" panose="020B0604020202020204" pitchFamily="34" charset="0"/>
+                        <a:latin typeface="Times New Roman" panose="02020603050405020304" pitchFamily="18" charset="0"/>
+                        <a:cs typeface="Times New Roman" panose="02020603050405020304" pitchFamily="18" charset="0"/>
                       </a:endParaRPr>
                     </a:p>
                   </a:txBody>
@@ -32806,12 +33118,22 @@
                         <a:tabLst/>
                         <a:defRPr/>
                       </a:pPr>
-                      <a:endParaRPr lang="ko-KR" altLang="en-US" sz="1600" dirty="0">
+                      <a:r>
+                        <a:rPr lang="fr-FR" altLang="ko-KR" sz="1400" dirty="0" smtClean="0">
+                          <a:solidFill>
+                            <a:srgbClr val="567791"/>
+                          </a:solidFill>
+                          <a:latin typeface="Times New Roman" panose="02020603050405020304" pitchFamily="18" charset="0"/>
+                          <a:cs typeface="Times New Roman" panose="02020603050405020304" pitchFamily="18" charset="0"/>
+                        </a:rPr>
+                        <a:t>AFRIQUE </a:t>
+                      </a:r>
+                      <a:endParaRPr lang="ko-KR" altLang="en-US" sz="1400" dirty="0">
                         <a:solidFill>
-                          <a:schemeClr val="accent2"/>
+                          <a:srgbClr val="567791"/>
                         </a:solidFill>
-                        <a:latin typeface="Arial" panose="020B0604020202020204" pitchFamily="34" charset="0"/>
-                        <a:cs typeface="Arial" panose="020B0604020202020204" pitchFamily="34" charset="0"/>
+                        <a:latin typeface="Times New Roman" panose="02020603050405020304" pitchFamily="18" charset="0"/>
+                        <a:cs typeface="Times New Roman" panose="02020603050405020304" pitchFamily="18" charset="0"/>
                       </a:endParaRPr>
                     </a:p>
                   </a:txBody>
@@ -32861,12 +33183,22 @@
                         <a:tabLst/>
                         <a:defRPr/>
                       </a:pPr>
-                      <a:endParaRPr lang="ko-KR" altLang="en-US" sz="1600" dirty="0">
+                      <a:r>
+                        <a:rPr lang="fr-FR" altLang="ko-KR" sz="1400" dirty="0" smtClean="0">
+                          <a:solidFill>
+                            <a:srgbClr val="567791"/>
+                          </a:solidFill>
+                          <a:latin typeface="Times New Roman" panose="02020603050405020304" pitchFamily="18" charset="0"/>
+                          <a:cs typeface="Times New Roman" panose="02020603050405020304" pitchFamily="18" charset="0"/>
+                        </a:rPr>
+                        <a:t>54.70</a:t>
+                      </a:r>
+                      <a:endParaRPr lang="ko-KR" altLang="en-US" sz="1400" dirty="0">
                         <a:solidFill>
-                          <a:schemeClr val="accent3"/>
+                          <a:srgbClr val="567791"/>
                         </a:solidFill>
-                        <a:latin typeface="Arial" panose="020B0604020202020204" pitchFamily="34" charset="0"/>
-                        <a:cs typeface="Arial" panose="020B0604020202020204" pitchFamily="34" charset="0"/>
+                        <a:latin typeface="Times New Roman" panose="02020603050405020304" pitchFamily="18" charset="0"/>
+                        <a:cs typeface="Times New Roman" panose="02020603050405020304" pitchFamily="18" charset="0"/>
                       </a:endParaRPr>
                     </a:p>
                   </a:txBody>
@@ -32890,11 +33222,7 @@
                       <a:tailEnd type="none" w="med" len="med"/>
                     </a:lnB>
                     <a:solidFill>
-                      <a:schemeClr val="accent3">
-                        <a:lumMod val="20000"/>
-                        <a:lumOff val="80000"/>
-                        <a:alpha val="40000"/>
-                      </a:schemeClr>
+                      <a:srgbClr val="F8F8F8"/>
                     </a:solidFill>
                   </a:tcPr>
                 </a:tc>
@@ -32920,12 +33248,22 @@
                         <a:tabLst/>
                         <a:defRPr/>
                       </a:pPr>
-                      <a:endParaRPr lang="ko-KR" altLang="en-US" sz="1600" dirty="0">
+                      <a:r>
+                        <a:rPr lang="fr-FR" altLang="ko-KR" sz="1400" dirty="0" smtClean="0">
+                          <a:solidFill>
+                            <a:srgbClr val="567791"/>
+                          </a:solidFill>
+                          <a:latin typeface="Times New Roman" panose="02020603050405020304" pitchFamily="18" charset="0"/>
+                          <a:cs typeface="Times New Roman" panose="02020603050405020304" pitchFamily="18" charset="0"/>
+                        </a:rPr>
+                        <a:t>59.50</a:t>
+                      </a:r>
+                      <a:endParaRPr lang="ko-KR" altLang="en-US" sz="1400" dirty="0">
                         <a:solidFill>
-                          <a:schemeClr val="accent2"/>
+                          <a:srgbClr val="567791"/>
                         </a:solidFill>
-                        <a:latin typeface="Arial" panose="020B0604020202020204" pitchFamily="34" charset="0"/>
-                        <a:cs typeface="Arial" panose="020B0604020202020204" pitchFamily="34" charset="0"/>
+                        <a:latin typeface="Times New Roman" panose="02020603050405020304" pitchFamily="18" charset="0"/>
+                        <a:cs typeface="Times New Roman" panose="02020603050405020304" pitchFamily="18" charset="0"/>
                       </a:endParaRPr>
                     </a:p>
                   </a:txBody>
@@ -32975,12 +33313,22 @@
                         <a:tabLst/>
                         <a:defRPr/>
                       </a:pPr>
-                      <a:endParaRPr lang="ko-KR" altLang="en-US" sz="1600" dirty="0">
+                      <a:r>
+                        <a:rPr lang="fr-FR" altLang="ko-KR" sz="1400" dirty="0" smtClean="0">
+                          <a:solidFill>
+                            <a:srgbClr val="567791"/>
+                          </a:solidFill>
+                          <a:latin typeface="Times New Roman" panose="02020603050405020304" pitchFamily="18" charset="0"/>
+                          <a:cs typeface="Times New Roman" panose="02020603050405020304" pitchFamily="18" charset="0"/>
+                        </a:rPr>
+                        <a:t>54.76</a:t>
+                      </a:r>
+                      <a:endParaRPr lang="ko-KR" altLang="en-US" sz="1400" dirty="0">
                         <a:solidFill>
-                          <a:schemeClr val="accent2"/>
+                          <a:srgbClr val="567791"/>
                         </a:solidFill>
-                        <a:latin typeface="Arial" panose="020B0604020202020204" pitchFamily="34" charset="0"/>
-                        <a:cs typeface="Arial" panose="020B0604020202020204" pitchFamily="34" charset="0"/>
+                        <a:latin typeface="Times New Roman" panose="02020603050405020304" pitchFamily="18" charset="0"/>
+                        <a:cs typeface="Times New Roman" panose="02020603050405020304" pitchFamily="18" charset="0"/>
                       </a:endParaRPr>
                     </a:p>
                   </a:txBody>
@@ -33030,12 +33378,12 @@
                         <a:tabLst/>
                         <a:defRPr/>
                       </a:pPr>
-                      <a:endParaRPr lang="ko-KR" altLang="en-US" sz="1600" dirty="0">
+                      <a:endParaRPr lang="ko-KR" altLang="en-US" sz="1400" dirty="0">
                         <a:solidFill>
-                          <a:schemeClr val="accent2"/>
+                          <a:srgbClr val="567791"/>
                         </a:solidFill>
-                        <a:latin typeface="Arial" panose="020B0604020202020204" pitchFamily="34" charset="0"/>
-                        <a:cs typeface="Arial" panose="020B0604020202020204" pitchFamily="34" charset="0"/>
+                        <a:latin typeface="Times New Roman" panose="02020603050405020304" pitchFamily="18" charset="0"/>
+                        <a:cs typeface="Times New Roman" panose="02020603050405020304" pitchFamily="18" charset="0"/>
                       </a:endParaRPr>
                     </a:p>
                   </a:txBody>
@@ -33085,12 +33433,12 @@
                         <a:tabLst/>
                         <a:defRPr/>
                       </a:pPr>
-                      <a:endParaRPr lang="ko-KR" altLang="en-US" sz="1600" dirty="0">
+                      <a:endParaRPr lang="ko-KR" altLang="en-US" sz="1400" dirty="0">
                         <a:solidFill>
-                          <a:schemeClr val="accent2"/>
+                          <a:srgbClr val="567791"/>
                         </a:solidFill>
-                        <a:latin typeface="Arial" panose="020B0604020202020204" pitchFamily="34" charset="0"/>
-                        <a:cs typeface="Arial" panose="020B0604020202020204" pitchFamily="34" charset="0"/>
+                        <a:latin typeface="Times New Roman" panose="02020603050405020304" pitchFamily="18" charset="0"/>
+                        <a:cs typeface="Times New Roman" panose="02020603050405020304" pitchFamily="18" charset="0"/>
                       </a:endParaRPr>
                     </a:p>
                   </a:txBody>
@@ -33118,6 +33466,61 @@
                     </a:solidFill>
                   </a:tcPr>
                 </a:tc>
+                <a:tc>
+                  <a:txBody>
+                    <a:bodyPr/>
+                    <a:lstStyle/>
+                    <a:p>
+                      <a:pPr marL="0" marR="0" indent="0" algn="ctr" defTabSz="914400" rtl="0" eaLnBrk="1" fontAlgn="auto" latinLnBrk="1" hangingPunct="1">
+                        <a:lnSpc>
+                          <a:spcPct val="100000"/>
+                        </a:lnSpc>
+                        <a:spcBef>
+                          <a:spcPts val="0"/>
+                        </a:spcBef>
+                        <a:spcAft>
+                          <a:spcPts val="0"/>
+                        </a:spcAft>
+                        <a:buClrTx/>
+                        <a:buSzTx/>
+                        <a:buFontTx/>
+                        <a:buNone/>
+                        <a:tabLst/>
+                        <a:defRPr/>
+                      </a:pPr>
+                      <a:endParaRPr lang="ko-KR" altLang="en-US" sz="1400" dirty="0">
+                        <a:solidFill>
+                          <a:srgbClr val="567791"/>
+                        </a:solidFill>
+                        <a:latin typeface="Times New Roman" panose="02020603050405020304" pitchFamily="18" charset="0"/>
+                        <a:cs typeface="Times New Roman" panose="02020603050405020304" pitchFamily="18" charset="0"/>
+                      </a:endParaRPr>
+                    </a:p>
+                  </a:txBody>
+                  <a:tcPr marL="121920" marR="121920" marT="60960" marB="60960" anchor="ctr">
+                    <a:lnT w="19050" cap="flat" cmpd="sng" algn="ctr">
+                      <a:solidFill>
+                        <a:schemeClr val="bg1"/>
+                      </a:solidFill>
+                      <a:prstDash val="solid"/>
+                      <a:round/>
+                      <a:headEnd type="none" w="med" len="med"/>
+                      <a:tailEnd type="none" w="med" len="med"/>
+                    </a:lnT>
+                    <a:lnB w="19050" cap="flat" cmpd="sng" algn="ctr">
+                      <a:solidFill>
+                        <a:schemeClr val="bg1"/>
+                      </a:solidFill>
+                      <a:prstDash val="solid"/>
+                      <a:round/>
+                      <a:headEnd type="none" w="med" len="med"/>
+                      <a:tailEnd type="none" w="med" len="med"/>
+                    </a:lnB>
+                    <a:solidFill>
+                      <a:srgbClr val="D9D9D9"/>
+                    </a:solidFill>
+                  </a:tcPr>
+                </a:tc>
               </a:tr>
               <a:tr h="574528">
                 <a:tc>
@@ -33142,12 +33545,22 @@
                         <a:tabLst/>
                         <a:defRPr/>
                       </a:pPr>
-                      <a:endParaRPr lang="ko-KR" altLang="en-US" sz="1600" dirty="0">
+                      <a:r>
+                        <a:rPr lang="fr-FR" altLang="ko-KR" sz="1400" dirty="0" smtClean="0">
+                          <a:solidFill>
+                            <a:srgbClr val="567791"/>
+                          </a:solidFill>
+                          <a:latin typeface="Times New Roman" panose="02020603050405020304" pitchFamily="18" charset="0"/>
+                          <a:cs typeface="Times New Roman" panose="02020603050405020304" pitchFamily="18" charset="0"/>
+                        </a:rPr>
+                        <a:t>ACCRA</a:t>
+                      </a:r>
+                      <a:endParaRPr lang="ko-KR" altLang="en-US" sz="1400" dirty="0">
                         <a:solidFill>
-                          <a:schemeClr val="accent2"/>
+                          <a:srgbClr val="567791"/>
                         </a:solidFill>
-                        <a:latin typeface="Arial" panose="020B0604020202020204" pitchFamily="34" charset="0"/>
-                        <a:cs typeface="Arial" panose="020B0604020202020204" pitchFamily="34" charset="0"/>
+                        <a:latin typeface="Times New Roman" panose="02020603050405020304" pitchFamily="18" charset="0"/>
+                        <a:cs typeface="Times New Roman" panose="02020603050405020304" pitchFamily="18" charset="0"/>
                       </a:endParaRPr>
                     </a:p>
                   </a:txBody>
@@ -33208,12 +33621,23 @@
                         <a:tabLst/>
                         <a:defRPr/>
                       </a:pPr>
-                      <a:endParaRPr lang="ko-KR" altLang="en-US" sz="1600" dirty="0">
+                      <a:r>
+                        <a:rPr lang="fr-FR" sz="1400" dirty="0" smtClean="0">
+                          <a:solidFill>
+                            <a:srgbClr val="567791"/>
+                          </a:solidFill>
+                          <a:effectLst/>
+                          <a:latin typeface="Times New Roman" panose="02020603050405020304" pitchFamily="18" charset="0"/>
+                          <a:cs typeface="Times New Roman" panose="02020603050405020304" pitchFamily="18" charset="0"/>
+                        </a:rPr>
+                        <a:t>GHANA</a:t>
+                      </a:r>
+                      <a:endParaRPr lang="ko-KR" altLang="en-US" sz="1400" dirty="0">
                         <a:solidFill>
-                          <a:schemeClr val="accent3"/>
+                          <a:srgbClr val="567791"/>
                         </a:solidFill>
-                        <a:latin typeface="Arial" panose="020B0604020202020204" pitchFamily="34" charset="0"/>
-                        <a:cs typeface="Arial" panose="020B0604020202020204" pitchFamily="34" charset="0"/>
+                        <a:latin typeface="Times New Roman" panose="02020603050405020304" pitchFamily="18" charset="0"/>
+                        <a:cs typeface="Times New Roman" panose="02020603050405020304" pitchFamily="18" charset="0"/>
                       </a:endParaRPr>
                     </a:p>
                   </a:txBody>
@@ -33267,12 +33691,22 @@
                         <a:tabLst/>
                         <a:defRPr/>
                       </a:pPr>
-                      <a:endParaRPr lang="ko-KR" altLang="en-US" sz="1600" dirty="0">
+                      <a:r>
+                        <a:rPr lang="fr-FR" altLang="ko-KR" sz="1400" dirty="0" smtClean="0">
+                          <a:solidFill>
+                            <a:srgbClr val="567791"/>
+                          </a:solidFill>
+                          <a:latin typeface="Times New Roman" panose="02020603050405020304" pitchFamily="18" charset="0"/>
+                          <a:cs typeface="Times New Roman" panose="02020603050405020304" pitchFamily="18" charset="0"/>
+                        </a:rPr>
+                        <a:t>AFRIQUE </a:t>
+                      </a:r>
+                      <a:endParaRPr lang="ko-KR" altLang="en-US" sz="1400" dirty="0">
                         <a:solidFill>
-                          <a:schemeClr val="accent2"/>
+                          <a:srgbClr val="567791"/>
                         </a:solidFill>
-                        <a:latin typeface="Arial" panose="020B0604020202020204" pitchFamily="34" charset="0"/>
-                        <a:cs typeface="Arial" panose="020B0604020202020204" pitchFamily="34" charset="0"/>
+                        <a:latin typeface="Times New Roman" panose="02020603050405020304" pitchFamily="18" charset="0"/>
+                        <a:cs typeface="Times New Roman" panose="02020603050405020304" pitchFamily="18" charset="0"/>
                       </a:endParaRPr>
                     </a:p>
                   </a:txBody>
@@ -33322,12 +33756,22 @@
                         <a:tabLst/>
                         <a:defRPr/>
                       </a:pPr>
-                      <a:endParaRPr lang="ko-KR" altLang="en-US" sz="1600" dirty="0">
+                      <a:r>
+                        <a:rPr lang="fr-FR" altLang="ko-KR" sz="1400" dirty="0" smtClean="0">
+                          <a:solidFill>
+                            <a:srgbClr val="567791"/>
+                          </a:solidFill>
+                          <a:latin typeface="Times New Roman" panose="02020603050405020304" pitchFamily="18" charset="0"/>
+                          <a:cs typeface="Times New Roman" panose="02020603050405020304" pitchFamily="18" charset="0"/>
+                        </a:rPr>
+                        <a:t>66.60</a:t>
+                      </a:r>
+                      <a:endParaRPr lang="ko-KR" altLang="en-US" sz="1400" dirty="0">
                         <a:solidFill>
-                          <a:schemeClr val="accent3"/>
+                          <a:srgbClr val="567791"/>
                         </a:solidFill>
-                        <a:latin typeface="Arial" panose="020B0604020202020204" pitchFamily="34" charset="0"/>
-                        <a:cs typeface="Arial" panose="020B0604020202020204" pitchFamily="34" charset="0"/>
+                        <a:latin typeface="Times New Roman" panose="02020603050405020304" pitchFamily="18" charset="0"/>
+                        <a:cs typeface="Times New Roman" panose="02020603050405020304" pitchFamily="18" charset="0"/>
                       </a:endParaRPr>
                     </a:p>
                   </a:txBody>
@@ -33351,11 +33795,7 @@
                       <a:tailEnd type="none" w="med" len="med"/>
                     </a:lnB>
                     <a:solidFill>
-                      <a:schemeClr val="accent3">
-                        <a:lumMod val="20000"/>
-                        <a:lumOff val="80000"/>
-                        <a:alpha val="40000"/>
-                      </a:schemeClr>
+                      <a:srgbClr val="F8F8F8"/>
                     </a:solidFill>
                   </a:tcPr>
                 </a:tc>
@@ -33381,12 +33821,22 @@
                         <a:tabLst/>
                         <a:defRPr/>
                       </a:pPr>
-                      <a:endParaRPr lang="ko-KR" altLang="en-US" sz="1600" dirty="0">
+                      <a:r>
+                        <a:rPr lang="fr-FR" altLang="ko-KR" sz="1400" dirty="0" smtClean="0">
+                          <a:solidFill>
+                            <a:srgbClr val="567791"/>
+                          </a:solidFill>
+                          <a:latin typeface="Times New Roman" panose="02020603050405020304" pitchFamily="18" charset="0"/>
+                          <a:cs typeface="Times New Roman" panose="02020603050405020304" pitchFamily="18" charset="0"/>
+                        </a:rPr>
+                        <a:t>36.30</a:t>
+                      </a:r>
+                      <a:endParaRPr lang="ko-KR" altLang="en-US" sz="1400" dirty="0">
                         <a:solidFill>
-                          <a:schemeClr val="accent2"/>
+                          <a:srgbClr val="567791"/>
                         </a:solidFill>
-                        <a:latin typeface="Arial" panose="020B0604020202020204" pitchFamily="34" charset="0"/>
-                        <a:cs typeface="Arial" panose="020B0604020202020204" pitchFamily="34" charset="0"/>
+                        <a:latin typeface="Times New Roman" panose="02020603050405020304" pitchFamily="18" charset="0"/>
+                        <a:cs typeface="Times New Roman" panose="02020603050405020304" pitchFamily="18" charset="0"/>
                       </a:endParaRPr>
                     </a:p>
                   </a:txBody>
@@ -33436,12 +33886,22 @@
                         <a:tabLst/>
                         <a:defRPr/>
                       </a:pPr>
-                      <a:endParaRPr lang="ko-KR" altLang="en-US" sz="1600" dirty="0">
+                      <a:r>
+                        <a:rPr lang="fr-FR" altLang="ko-KR" sz="1400" dirty="0" smtClean="0">
+                          <a:solidFill>
+                            <a:srgbClr val="567791"/>
+                          </a:solidFill>
+                          <a:latin typeface="Times New Roman" panose="02020603050405020304" pitchFamily="18" charset="0"/>
+                          <a:cs typeface="Times New Roman" panose="02020603050405020304" pitchFamily="18" charset="0"/>
+                        </a:rPr>
+                        <a:t>49.66</a:t>
+                      </a:r>
+                      <a:endParaRPr lang="ko-KR" altLang="en-US" sz="1400" dirty="0">
                         <a:solidFill>
-                          <a:schemeClr val="accent2"/>
+                          <a:srgbClr val="567791"/>
                         </a:solidFill>
-                        <a:latin typeface="Arial" panose="020B0604020202020204" pitchFamily="34" charset="0"/>
-                        <a:cs typeface="Arial" panose="020B0604020202020204" pitchFamily="34" charset="0"/>
+                        <a:latin typeface="Times New Roman" panose="02020603050405020304" pitchFamily="18" charset="0"/>
+                        <a:cs typeface="Times New Roman" panose="02020603050405020304" pitchFamily="18" charset="0"/>
                       </a:endParaRPr>
                     </a:p>
                   </a:txBody>
@@ -33491,12 +33951,12 @@
                         <a:tabLst/>
                         <a:defRPr/>
                       </a:pPr>
-                      <a:endParaRPr lang="ko-KR" altLang="en-US" sz="1600" dirty="0">
+                      <a:endParaRPr lang="ko-KR" altLang="en-US" sz="1400" dirty="0">
                         <a:solidFill>
-                          <a:schemeClr val="accent2"/>
+                          <a:srgbClr val="567791"/>
                         </a:solidFill>
-                        <a:latin typeface="Arial" panose="020B0604020202020204" pitchFamily="34" charset="0"/>
-                        <a:cs typeface="Arial" panose="020B0604020202020204" pitchFamily="34" charset="0"/>
+                        <a:latin typeface="Times New Roman" panose="02020603050405020304" pitchFamily="18" charset="0"/>
+                        <a:cs typeface="Times New Roman" panose="02020603050405020304" pitchFamily="18" charset="0"/>
                       </a:endParaRPr>
                     </a:p>
                   </a:txBody>
@@ -33546,12 +34006,12 @@
                         <a:tabLst/>
                         <a:defRPr/>
                       </a:pPr>
-                      <a:endParaRPr lang="ko-KR" altLang="en-US" sz="1600" dirty="0">
+                      <a:endParaRPr lang="ko-KR" altLang="en-US" sz="1400" dirty="0">
                         <a:solidFill>
-                          <a:schemeClr val="accent2"/>
+                          <a:srgbClr val="567791"/>
                         </a:solidFill>
-                        <a:latin typeface="Arial" panose="020B0604020202020204" pitchFamily="34" charset="0"/>
-                        <a:cs typeface="Arial" panose="020B0604020202020204" pitchFamily="34" charset="0"/>
+                        <a:latin typeface="Times New Roman" panose="02020603050405020304" pitchFamily="18" charset="0"/>
+                        <a:cs typeface="Times New Roman" panose="02020603050405020304" pitchFamily="18" charset="0"/>
                       </a:endParaRPr>
                     </a:p>
                   </a:txBody>
@@ -33579,6 +34039,61 @@
                     </a:solidFill>
                   </a:tcPr>
                 </a:tc>
+                <a:tc>
+                  <a:txBody>
+                    <a:bodyPr/>
+                    <a:lstStyle/>
+                    <a:p>
+                      <a:pPr marL="0" marR="0" indent="0" algn="ctr" defTabSz="914400" rtl="0" eaLnBrk="1" fontAlgn="auto" latinLnBrk="1" hangingPunct="1">
+                        <a:lnSpc>
+                          <a:spcPct val="100000"/>
+                        </a:lnSpc>
+                        <a:spcBef>
+                          <a:spcPts val="0"/>
+                        </a:spcBef>
+                        <a:spcAft>
+                          <a:spcPts val="0"/>
+                        </a:spcAft>
+                        <a:buClrTx/>
+                        <a:buSzTx/>
+                        <a:buFontTx/>
+                        <a:buNone/>
+                        <a:tabLst/>
+                        <a:defRPr/>
+                      </a:pPr>
+                      <a:endParaRPr lang="ko-KR" altLang="en-US" sz="1400" dirty="0">
+                        <a:solidFill>
+                          <a:srgbClr val="567791"/>
+                        </a:solidFill>
+                        <a:latin typeface="Times New Roman" panose="02020603050405020304" pitchFamily="18" charset="0"/>
+                        <a:cs typeface="Times New Roman" panose="02020603050405020304" pitchFamily="18" charset="0"/>
+                      </a:endParaRPr>
+                    </a:p>
+                  </a:txBody>
+                  <a:tcPr marL="121920" marR="121920" marT="60960" marB="60960" anchor="ctr">
+                    <a:lnT w="19050" cap="flat" cmpd="sng" algn="ctr">
+                      <a:solidFill>
+                        <a:schemeClr val="bg1"/>
+                      </a:solidFill>
+                      <a:prstDash val="solid"/>
+                      <a:round/>
+                      <a:headEnd type="none" w="med" len="med"/>
+                      <a:tailEnd type="none" w="med" len="med"/>
+                    </a:lnT>
+                    <a:lnB w="19050" cap="flat" cmpd="sng" algn="ctr">
+                      <a:solidFill>
+                        <a:schemeClr val="bg1"/>
+                      </a:solidFill>
+                      <a:prstDash val="solid"/>
+                      <a:round/>
+                      <a:headEnd type="none" w="med" len="med"/>
+                      <a:tailEnd type="none" w="med" len="med"/>
+                    </a:lnB>
+                    <a:solidFill>
+                      <a:srgbClr val="D9D9D9"/>
+                    </a:solidFill>
+                  </a:tcPr>
+                </a:tc>
               </a:tr>
               <a:tr h="574528">
                 <a:tc>
@@ -33603,12 +34118,22 @@
                         <a:tabLst/>
                         <a:defRPr/>
                       </a:pPr>
-                      <a:endParaRPr lang="ko-KR" altLang="en-US" sz="1600" dirty="0">
+                      <a:r>
+                        <a:rPr lang="fr-FR" altLang="ko-KR" sz="1400" dirty="0" smtClean="0">
+                          <a:solidFill>
+                            <a:srgbClr val="567791"/>
+                          </a:solidFill>
+                          <a:latin typeface="Times New Roman" panose="02020603050405020304" pitchFamily="18" charset="0"/>
+                          <a:cs typeface="Times New Roman" panose="02020603050405020304" pitchFamily="18" charset="0"/>
+                        </a:rPr>
+                        <a:t>ACHGABAT</a:t>
+                      </a:r>
+                      <a:endParaRPr lang="ko-KR" altLang="en-US" sz="1400" dirty="0">
                         <a:solidFill>
-                          <a:schemeClr val="accent2"/>
+                          <a:srgbClr val="567791"/>
                         </a:solidFill>
-                        <a:latin typeface="Arial" panose="020B0604020202020204" pitchFamily="34" charset="0"/>
-                        <a:cs typeface="Arial" panose="020B0604020202020204" pitchFamily="34" charset="0"/>
+                        <a:latin typeface="Times New Roman" panose="02020603050405020304" pitchFamily="18" charset="0"/>
+                        <a:cs typeface="Times New Roman" panose="02020603050405020304" pitchFamily="18" charset="0"/>
                       </a:endParaRPr>
                     </a:p>
                   </a:txBody>
@@ -33669,12 +34194,22 @@
                         <a:tabLst/>
                         <a:defRPr/>
                       </a:pPr>
-                      <a:endParaRPr lang="ko-KR" altLang="en-US" sz="1600" dirty="0">
+                      <a:r>
+                        <a:rPr lang="fr-FR" altLang="ko-KR" sz="1400" dirty="0" smtClean="0">
+                          <a:solidFill>
+                            <a:srgbClr val="567791"/>
+                          </a:solidFill>
+                          <a:latin typeface="Times New Roman" panose="02020603050405020304" pitchFamily="18" charset="0"/>
+                          <a:cs typeface="Times New Roman" panose="02020603050405020304" pitchFamily="18" charset="0"/>
+                        </a:rPr>
+                        <a:t>TURKMENISTAN</a:t>
+                      </a:r>
+                      <a:endParaRPr lang="ko-KR" altLang="en-US" sz="1400" dirty="0">
                         <a:solidFill>
-                          <a:schemeClr val="accent3"/>
+                          <a:srgbClr val="567791"/>
                         </a:solidFill>
-                        <a:latin typeface="Arial" panose="020B0604020202020204" pitchFamily="34" charset="0"/>
-                        <a:cs typeface="Arial" panose="020B0604020202020204" pitchFamily="34" charset="0"/>
+                        <a:latin typeface="Times New Roman" panose="02020603050405020304" pitchFamily="18" charset="0"/>
+                        <a:cs typeface="Times New Roman" panose="02020603050405020304" pitchFamily="18" charset="0"/>
                       </a:endParaRPr>
                     </a:p>
                   </a:txBody>
@@ -33728,12 +34263,22 @@
                         <a:tabLst/>
                         <a:defRPr/>
                       </a:pPr>
-                      <a:endParaRPr lang="ko-KR" altLang="en-US" sz="1600" dirty="0">
+                      <a:r>
+                        <a:rPr lang="fr-FR" altLang="ko-KR" sz="1400" dirty="0" smtClean="0">
+                          <a:solidFill>
+                            <a:srgbClr val="567791"/>
+                          </a:solidFill>
+                          <a:latin typeface="Times New Roman" panose="02020603050405020304" pitchFamily="18" charset="0"/>
+                          <a:cs typeface="Times New Roman" panose="02020603050405020304" pitchFamily="18" charset="0"/>
+                        </a:rPr>
+                        <a:t>ASIE</a:t>
+                      </a:r>
+                      <a:endParaRPr lang="ko-KR" altLang="en-US" sz="1400" dirty="0">
                         <a:solidFill>
-                          <a:schemeClr val="accent2"/>
+                          <a:srgbClr val="567791"/>
                         </a:solidFill>
-                        <a:latin typeface="Arial" panose="020B0604020202020204" pitchFamily="34" charset="0"/>
-                        <a:cs typeface="Arial" panose="020B0604020202020204" pitchFamily="34" charset="0"/>
+                        <a:latin typeface="Times New Roman" panose="02020603050405020304" pitchFamily="18" charset="0"/>
+                        <a:cs typeface="Times New Roman" panose="02020603050405020304" pitchFamily="18" charset="0"/>
                       </a:endParaRPr>
                     </a:p>
                   </a:txBody>
@@ -33783,12 +34328,22 @@
                         <a:tabLst/>
                         <a:defRPr/>
                       </a:pPr>
-                      <a:endParaRPr lang="ko-KR" altLang="en-US" sz="1600" dirty="0">
+                      <a:r>
+                        <a:rPr lang="fr-FR" altLang="ko-KR" sz="1400" dirty="0" smtClean="0">
+                          <a:solidFill>
+                            <a:srgbClr val="567791"/>
+                          </a:solidFill>
+                          <a:latin typeface="Times New Roman" panose="02020603050405020304" pitchFamily="18" charset="0"/>
+                          <a:cs typeface="Times New Roman" panose="02020603050405020304" pitchFamily="18" charset="0"/>
+                        </a:rPr>
+                        <a:t>68.20 </a:t>
+                      </a:r>
+                      <a:endParaRPr lang="ko-KR" altLang="en-US" sz="1400" dirty="0">
                         <a:solidFill>
-                          <a:schemeClr val="accent3"/>
+                          <a:srgbClr val="567791"/>
                         </a:solidFill>
-                        <a:latin typeface="Arial" panose="020B0604020202020204" pitchFamily="34" charset="0"/>
-                        <a:cs typeface="Arial" panose="020B0604020202020204" pitchFamily="34" charset="0"/>
+                        <a:latin typeface="Times New Roman" panose="02020603050405020304" pitchFamily="18" charset="0"/>
+                        <a:cs typeface="Times New Roman" panose="02020603050405020304" pitchFamily="18" charset="0"/>
                       </a:endParaRPr>
                     </a:p>
                   </a:txBody>
@@ -33812,11 +34367,7 @@
                       <a:tailEnd type="none" w="med" len="med"/>
                     </a:lnB>
                     <a:solidFill>
-                      <a:schemeClr val="accent3">
-                        <a:lumMod val="20000"/>
-                        <a:lumOff val="80000"/>
-                        <a:alpha val="40000"/>
-                      </a:schemeClr>
+                      <a:srgbClr val="F8F8F8"/>
                     </a:solidFill>
                   </a:tcPr>
                 </a:tc>
@@ -33842,12 +34393,22 @@
                         <a:tabLst/>
                         <a:defRPr/>
                       </a:pPr>
-                      <a:endParaRPr lang="ko-KR" altLang="en-US" sz="1600" dirty="0">
+                      <a:r>
+                        <a:rPr lang="fr-FR" altLang="ko-KR" sz="1400" dirty="0" smtClean="0">
+                          <a:solidFill>
+                            <a:srgbClr val="567791"/>
+                          </a:solidFill>
+                          <a:latin typeface="Times New Roman" panose="02020603050405020304" pitchFamily="18" charset="0"/>
+                          <a:cs typeface="Times New Roman" panose="02020603050405020304" pitchFamily="18" charset="0"/>
+                        </a:rPr>
+                        <a:t>43.84</a:t>
+                      </a:r>
+                      <a:endParaRPr lang="ko-KR" altLang="en-US" sz="1400" dirty="0">
                         <a:solidFill>
-                          <a:schemeClr val="accent2"/>
+                          <a:srgbClr val="567791"/>
                         </a:solidFill>
-                        <a:latin typeface="Arial" panose="020B0604020202020204" pitchFamily="34" charset="0"/>
-                        <a:cs typeface="Arial" panose="020B0604020202020204" pitchFamily="34" charset="0"/>
+                        <a:latin typeface="Times New Roman" panose="02020603050405020304" pitchFamily="18" charset="0"/>
+                        <a:cs typeface="Times New Roman" panose="02020603050405020304" pitchFamily="18" charset="0"/>
                       </a:endParaRPr>
                     </a:p>
                   </a:txBody>
@@ -33897,12 +34458,22 @@
                         <a:tabLst/>
                         <a:defRPr/>
                       </a:pPr>
-                      <a:endParaRPr lang="ko-KR" altLang="en-US" sz="1600" dirty="0">
+                      <a:r>
+                        <a:rPr lang="fr-FR" altLang="ko-KR" sz="1400" dirty="0" smtClean="0">
+                          <a:solidFill>
+                            <a:srgbClr val="567791"/>
+                          </a:solidFill>
+                          <a:latin typeface="Times New Roman" panose="02020603050405020304" pitchFamily="18" charset="0"/>
+                          <a:cs typeface="Times New Roman" panose="02020603050405020304" pitchFamily="18" charset="0"/>
+                        </a:rPr>
+                        <a:t>66.10</a:t>
+                      </a:r>
+                      <a:endParaRPr lang="ko-KR" altLang="en-US" sz="1400" dirty="0">
                         <a:solidFill>
-                          <a:schemeClr val="accent2"/>
+                          <a:srgbClr val="567791"/>
                         </a:solidFill>
-                        <a:latin typeface="Arial" panose="020B0604020202020204" pitchFamily="34" charset="0"/>
-                        <a:cs typeface="Arial" panose="020B0604020202020204" pitchFamily="34" charset="0"/>
+                        <a:latin typeface="Times New Roman" panose="02020603050405020304" pitchFamily="18" charset="0"/>
+                        <a:cs typeface="Times New Roman" panose="02020603050405020304" pitchFamily="18" charset="0"/>
                       </a:endParaRPr>
                     </a:p>
                   </a:txBody>
@@ -33952,12 +34523,12 @@
                         <a:tabLst/>
                         <a:defRPr/>
                       </a:pPr>
-                      <a:endParaRPr lang="ko-KR" altLang="en-US" sz="1600" dirty="0">
+                      <a:endParaRPr lang="ko-KR" altLang="en-US" sz="1400" dirty="0">
                         <a:solidFill>
-                          <a:schemeClr val="accent2"/>
+                          <a:srgbClr val="567791"/>
                         </a:solidFill>
-                        <a:latin typeface="Arial" panose="020B0604020202020204" pitchFamily="34" charset="0"/>
-                        <a:cs typeface="Arial" panose="020B0604020202020204" pitchFamily="34" charset="0"/>
+                        <a:latin typeface="Times New Roman" panose="02020603050405020304" pitchFamily="18" charset="0"/>
+                        <a:cs typeface="Times New Roman" panose="02020603050405020304" pitchFamily="18" charset="0"/>
                       </a:endParaRPr>
                     </a:p>
                   </a:txBody>
@@ -34007,12 +34578,12 @@
                         <a:tabLst/>
                         <a:defRPr/>
                       </a:pPr>
-                      <a:endParaRPr lang="ko-KR" altLang="en-US" sz="1600" dirty="0">
+                      <a:endParaRPr lang="ko-KR" altLang="en-US" sz="1400" dirty="0">
                         <a:solidFill>
-                          <a:schemeClr val="accent2"/>
+                          <a:srgbClr val="567791"/>
                         </a:solidFill>
-                        <a:latin typeface="Arial" panose="020B0604020202020204" pitchFamily="34" charset="0"/>
-                        <a:cs typeface="Arial" panose="020B0604020202020204" pitchFamily="34" charset="0"/>
+                        <a:latin typeface="Times New Roman" panose="02020603050405020304" pitchFamily="18" charset="0"/>
+                        <a:cs typeface="Times New Roman" panose="02020603050405020304" pitchFamily="18" charset="0"/>
                       </a:endParaRPr>
                     </a:p>
                   </a:txBody>
@@ -34040,6 +34611,61 @@
                     </a:solidFill>
                   </a:tcPr>
                 </a:tc>
+                <a:tc>
+                  <a:txBody>
+                    <a:bodyPr/>
+                    <a:lstStyle/>
+                    <a:p>
+                      <a:pPr marL="0" marR="0" indent="0" algn="ctr" defTabSz="914400" rtl="0" eaLnBrk="1" fontAlgn="auto" latinLnBrk="1" hangingPunct="1">
+                        <a:lnSpc>
+                          <a:spcPct val="100000"/>
+                        </a:lnSpc>
+                        <a:spcBef>
+                          <a:spcPts val="0"/>
+                        </a:spcBef>
+                        <a:spcAft>
+                          <a:spcPts val="0"/>
+                        </a:spcAft>
+                        <a:buClrTx/>
+                        <a:buSzTx/>
+                        <a:buFontTx/>
+                        <a:buNone/>
+                        <a:tabLst/>
+                        <a:defRPr/>
+                      </a:pPr>
+                      <a:endParaRPr lang="ko-KR" altLang="en-US" sz="1400" dirty="0">
+                        <a:solidFill>
+                          <a:srgbClr val="567791"/>
+                        </a:solidFill>
+                        <a:latin typeface="Times New Roman" panose="02020603050405020304" pitchFamily="18" charset="0"/>
+                        <a:cs typeface="Times New Roman" panose="02020603050405020304" pitchFamily="18" charset="0"/>
+                      </a:endParaRPr>
+                    </a:p>
+                  </a:txBody>
+                  <a:tcPr marL="121920" marR="121920" marT="60960" marB="60960" anchor="ctr">
+                    <a:lnT w="19050" cap="flat" cmpd="sng" algn="ctr">
+                      <a:solidFill>
+                        <a:schemeClr val="bg1"/>
+                      </a:solidFill>
+                      <a:prstDash val="solid"/>
+                      <a:round/>
+                      <a:headEnd type="none" w="med" len="med"/>
+                      <a:tailEnd type="none" w="med" len="med"/>
+                    </a:lnT>
+                    <a:lnB w="19050" cap="flat" cmpd="sng" algn="ctr">
+                      <a:solidFill>
+                        <a:schemeClr val="bg1"/>
+                      </a:solidFill>
+                      <a:prstDash val="solid"/>
+                      <a:round/>
+                      <a:headEnd type="none" w="med" len="med"/>
+                      <a:tailEnd type="none" w="med" len="med"/>
+                    </a:lnB>
+                    <a:solidFill>
+                      <a:srgbClr val="D9D9D9"/>
+                    </a:solidFill>
+                  </a:tcPr>
+                </a:tc>
               </a:tr>
               <a:tr h="574528">
                 <a:tc>
@@ -34064,12 +34690,22 @@
                         <a:tabLst/>
                         <a:defRPr/>
                       </a:pPr>
-                      <a:endParaRPr lang="ko-KR" altLang="en-US" sz="1600" dirty="0">
+                      <a:r>
+                        <a:rPr lang="fr-FR" altLang="ko-KR" sz="1400" dirty="0" smtClean="0">
+                          <a:solidFill>
+                            <a:srgbClr val="567791"/>
+                          </a:solidFill>
+                          <a:latin typeface="Times New Roman" panose="02020603050405020304" pitchFamily="18" charset="0"/>
+                          <a:cs typeface="Times New Roman" panose="02020603050405020304" pitchFamily="18" charset="0"/>
+                        </a:rPr>
+                        <a:t>ADDIS-ABEBA </a:t>
+                      </a:r>
+                      <a:endParaRPr lang="ko-KR" altLang="en-US" sz="1400" dirty="0">
                         <a:solidFill>
-                          <a:schemeClr val="accent2"/>
+                          <a:srgbClr val="567791"/>
                         </a:solidFill>
-                        <a:latin typeface="Arial" panose="020B0604020202020204" pitchFamily="34" charset="0"/>
-                        <a:cs typeface="Arial" panose="020B0604020202020204" pitchFamily="34" charset="0"/>
+                        <a:latin typeface="Times New Roman" panose="02020603050405020304" pitchFamily="18" charset="0"/>
+                        <a:cs typeface="Times New Roman" panose="02020603050405020304" pitchFamily="18" charset="0"/>
                       </a:endParaRPr>
                     </a:p>
                   </a:txBody>
@@ -34130,12 +34766,22 @@
                         <a:tabLst/>
                         <a:defRPr/>
                       </a:pPr>
-                      <a:endParaRPr lang="ko-KR" altLang="en-US" sz="1600" dirty="0">
+                      <a:r>
+                        <a:rPr lang="fr-FR" altLang="ko-KR" sz="1400" dirty="0" smtClean="0">
+                          <a:solidFill>
+                            <a:srgbClr val="567791"/>
+                          </a:solidFill>
+                          <a:latin typeface="Times New Roman" panose="02020603050405020304" pitchFamily="18" charset="0"/>
+                          <a:cs typeface="Times New Roman" panose="02020603050405020304" pitchFamily="18" charset="0"/>
+                        </a:rPr>
+                        <a:t>ETHIOPIE </a:t>
+                      </a:r>
+                      <a:endParaRPr lang="ko-KR" altLang="en-US" sz="1400" dirty="0">
                         <a:solidFill>
-                          <a:schemeClr val="accent3"/>
+                          <a:srgbClr val="567791"/>
                         </a:solidFill>
-                        <a:latin typeface="Arial" panose="020B0604020202020204" pitchFamily="34" charset="0"/>
-                        <a:cs typeface="Arial" panose="020B0604020202020204" pitchFamily="34" charset="0"/>
+                        <a:latin typeface="Times New Roman" panose="02020603050405020304" pitchFamily="18" charset="0"/>
+                        <a:cs typeface="Times New Roman" panose="02020603050405020304" pitchFamily="18" charset="0"/>
                       </a:endParaRPr>
                     </a:p>
                   </a:txBody>
@@ -34189,12 +34835,22 @@
                         <a:tabLst/>
                         <a:defRPr/>
                       </a:pPr>
-                      <a:endParaRPr lang="ko-KR" altLang="en-US" sz="1600" dirty="0">
+                      <a:r>
+                        <a:rPr lang="fr-FR" altLang="ko-KR" sz="1400" dirty="0" smtClean="0">
+                          <a:solidFill>
+                            <a:srgbClr val="567791"/>
+                          </a:solidFill>
+                          <a:latin typeface="Times New Roman" panose="02020603050405020304" pitchFamily="18" charset="0"/>
+                          <a:cs typeface="Times New Roman" panose="02020603050405020304" pitchFamily="18" charset="0"/>
+                        </a:rPr>
+                        <a:t>AFRIQUE </a:t>
+                      </a:r>
+                      <a:endParaRPr lang="ko-KR" altLang="en-US" sz="1400" dirty="0">
                         <a:solidFill>
-                          <a:schemeClr val="accent2"/>
+                          <a:srgbClr val="567791"/>
                         </a:solidFill>
-                        <a:latin typeface="Arial" panose="020B0604020202020204" pitchFamily="34" charset="0"/>
-                        <a:cs typeface="Arial" panose="020B0604020202020204" pitchFamily="34" charset="0"/>
+                        <a:latin typeface="Times New Roman" panose="02020603050405020304" pitchFamily="18" charset="0"/>
+                        <a:cs typeface="Times New Roman" panose="02020603050405020304" pitchFamily="18" charset="0"/>
                       </a:endParaRPr>
                     </a:p>
                   </a:txBody>
@@ -34244,12 +34900,22 @@
                         <a:tabLst/>
                         <a:defRPr/>
                       </a:pPr>
-                      <a:endParaRPr lang="ko-KR" altLang="en-US" sz="1600" dirty="0">
+                      <a:r>
+                        <a:rPr lang="fr-FR" altLang="ko-KR" sz="1400" dirty="0" smtClean="0">
+                          <a:solidFill>
+                            <a:srgbClr val="567791"/>
+                          </a:solidFill>
+                          <a:latin typeface="Times New Roman" panose="02020603050405020304" pitchFamily="18" charset="0"/>
+                          <a:cs typeface="Times New Roman" panose="02020603050405020304" pitchFamily="18" charset="0"/>
+                        </a:rPr>
+                        <a:t>65.48</a:t>
+                      </a:r>
+                      <a:endParaRPr lang="ko-KR" altLang="en-US" sz="1400" dirty="0">
                         <a:solidFill>
-                          <a:schemeClr val="accent3"/>
+                          <a:srgbClr val="567791"/>
                         </a:solidFill>
-                        <a:latin typeface="Arial" panose="020B0604020202020204" pitchFamily="34" charset="0"/>
-                        <a:cs typeface="Arial" panose="020B0604020202020204" pitchFamily="34" charset="0"/>
+                        <a:latin typeface="Times New Roman" panose="02020603050405020304" pitchFamily="18" charset="0"/>
+                        <a:cs typeface="Times New Roman" panose="02020603050405020304" pitchFamily="18" charset="0"/>
                       </a:endParaRPr>
                     </a:p>
                   </a:txBody>
@@ -34273,11 +34939,7 @@
                       <a:tailEnd type="none" w="med" len="med"/>
                     </a:lnB>
                     <a:solidFill>
-                      <a:schemeClr val="accent3">
-                        <a:lumMod val="20000"/>
-                        <a:lumOff val="80000"/>
-                        <a:alpha val="40000"/>
-                      </a:schemeClr>
+                      <a:srgbClr val="F8F8F8"/>
                     </a:solidFill>
                   </a:tcPr>
                 </a:tc>
@@ -34303,12 +34965,22 @@
                         <a:tabLst/>
                         <a:defRPr/>
                       </a:pPr>
-                      <a:endParaRPr lang="ko-KR" altLang="en-US" sz="1600" dirty="0">
+                      <a:r>
+                        <a:rPr lang="fr-FR" altLang="ko-KR" sz="1400" dirty="0" smtClean="0">
+                          <a:solidFill>
+                            <a:srgbClr val="567791"/>
+                          </a:solidFill>
+                          <a:latin typeface="Times New Roman" panose="02020603050405020304" pitchFamily="18" charset="0"/>
+                          <a:cs typeface="Times New Roman" panose="02020603050405020304" pitchFamily="18" charset="0"/>
+                        </a:rPr>
+                        <a:t>58.28</a:t>
+                      </a:r>
+                      <a:endParaRPr lang="ko-KR" altLang="en-US" sz="1400" dirty="0">
                         <a:solidFill>
-                          <a:schemeClr val="accent2"/>
+                          <a:srgbClr val="567791"/>
                         </a:solidFill>
-                        <a:latin typeface="Arial" panose="020B0604020202020204" pitchFamily="34" charset="0"/>
-                        <a:cs typeface="Arial" panose="020B0604020202020204" pitchFamily="34" charset="0"/>
+                        <a:latin typeface="Times New Roman" panose="02020603050405020304" pitchFamily="18" charset="0"/>
+                        <a:cs typeface="Times New Roman" panose="02020603050405020304" pitchFamily="18" charset="0"/>
                       </a:endParaRPr>
                     </a:p>
                   </a:txBody>
@@ -34358,12 +35030,22 @@
                         <a:tabLst/>
                         <a:defRPr/>
                       </a:pPr>
-                      <a:endParaRPr lang="ko-KR" altLang="en-US" sz="1600" dirty="0">
+                      <a:r>
+                        <a:rPr lang="fr-FR" altLang="ko-KR" sz="1400" dirty="0" smtClean="0">
+                          <a:solidFill>
+                            <a:srgbClr val="567791"/>
+                          </a:solidFill>
+                          <a:latin typeface="Times New Roman" panose="02020603050405020304" pitchFamily="18" charset="0"/>
+                          <a:cs typeface="Times New Roman" panose="02020603050405020304" pitchFamily="18" charset="0"/>
+                        </a:rPr>
+                        <a:t>44.78</a:t>
+                      </a:r>
+                      <a:endParaRPr lang="ko-KR" altLang="en-US" sz="1400" dirty="0">
                         <a:solidFill>
-                          <a:schemeClr val="accent2"/>
+                          <a:srgbClr val="567791"/>
                         </a:solidFill>
-                        <a:latin typeface="Arial" panose="020B0604020202020204" pitchFamily="34" charset="0"/>
-                        <a:cs typeface="Arial" panose="020B0604020202020204" pitchFamily="34" charset="0"/>
+                        <a:latin typeface="Times New Roman" panose="02020603050405020304" pitchFamily="18" charset="0"/>
+                        <a:cs typeface="Times New Roman" panose="02020603050405020304" pitchFamily="18" charset="0"/>
                       </a:endParaRPr>
                     </a:p>
                   </a:txBody>
@@ -34413,12 +35095,12 @@
                         <a:tabLst/>
                         <a:defRPr/>
                       </a:pPr>
-                      <a:endParaRPr lang="ko-KR" altLang="en-US" sz="1600" dirty="0">
+                      <a:endParaRPr lang="ko-KR" altLang="en-US" sz="1400" dirty="0">
                         <a:solidFill>
-                          <a:schemeClr val="accent2"/>
+                          <a:srgbClr val="567791"/>
                         </a:solidFill>
-                        <a:latin typeface="Arial" panose="020B0604020202020204" pitchFamily="34" charset="0"/>
-                        <a:cs typeface="Arial" panose="020B0604020202020204" pitchFamily="34" charset="0"/>
+                        <a:latin typeface="Times New Roman" panose="02020603050405020304" pitchFamily="18" charset="0"/>
+                        <a:cs typeface="Times New Roman" panose="02020603050405020304" pitchFamily="18" charset="0"/>
                       </a:endParaRPr>
                     </a:p>
                   </a:txBody>
@@ -34468,12 +35150,12 @@
                         <a:tabLst/>
                         <a:defRPr/>
                       </a:pPr>
-                      <a:endParaRPr lang="ko-KR" altLang="en-US" sz="1600" dirty="0">
+                      <a:endParaRPr lang="ko-KR" altLang="en-US" sz="1400" dirty="0">
                         <a:solidFill>
-                          <a:schemeClr val="accent2"/>
+                          <a:srgbClr val="567791"/>
                         </a:solidFill>
-                        <a:latin typeface="Arial" panose="020B0604020202020204" pitchFamily="34" charset="0"/>
-                        <a:cs typeface="Arial" panose="020B0604020202020204" pitchFamily="34" charset="0"/>
+                        <a:latin typeface="Times New Roman" panose="02020603050405020304" pitchFamily="18" charset="0"/>
+                        <a:cs typeface="Times New Roman" panose="02020603050405020304" pitchFamily="18" charset="0"/>
                       </a:endParaRPr>
                     </a:p>
                   </a:txBody>
@@ -34501,6 +35183,61 @@
                     </a:solidFill>
                   </a:tcPr>
                 </a:tc>
+                <a:tc>
+                  <a:txBody>
+                    <a:bodyPr/>
+                    <a:lstStyle/>
+                    <a:p>
+                      <a:pPr marL="0" marR="0" indent="0" algn="ctr" defTabSz="914400" rtl="0" eaLnBrk="1" fontAlgn="auto" latinLnBrk="1" hangingPunct="1">
+                        <a:lnSpc>
+                          <a:spcPct val="100000"/>
+                        </a:lnSpc>
+                        <a:spcBef>
+                          <a:spcPts val="0"/>
+                        </a:spcBef>
+                        <a:spcAft>
+                          <a:spcPts val="0"/>
+                        </a:spcAft>
+                        <a:buClrTx/>
+                        <a:buSzTx/>
+                        <a:buFontTx/>
+                        <a:buNone/>
+                        <a:tabLst/>
+                        <a:defRPr/>
+                      </a:pPr>
+                      <a:endParaRPr lang="ko-KR" altLang="en-US" sz="1400" dirty="0">
+                        <a:solidFill>
+                          <a:srgbClr val="567791"/>
+                        </a:solidFill>
+                        <a:latin typeface="Times New Roman" panose="02020603050405020304" pitchFamily="18" charset="0"/>
+                        <a:cs typeface="Times New Roman" panose="02020603050405020304" pitchFamily="18" charset="0"/>
+                      </a:endParaRPr>
+                    </a:p>
+                  </a:txBody>
+                  <a:tcPr marL="121920" marR="121920" marT="60960" marB="60960" anchor="ctr">
+                    <a:lnT w="19050" cap="flat" cmpd="sng" algn="ctr">
+                      <a:solidFill>
+                        <a:schemeClr val="bg1"/>
+                      </a:solidFill>
+                      <a:prstDash val="solid"/>
+                      <a:round/>
+                      <a:headEnd type="none" w="med" len="med"/>
+                      <a:tailEnd type="none" w="med" len="med"/>
+                    </a:lnT>
+                    <a:lnB w="19050" cap="flat" cmpd="sng" algn="ctr">
+                      <a:solidFill>
+                        <a:schemeClr val="bg1"/>
+                      </a:solidFill>
+                      <a:prstDash val="solid"/>
+                      <a:round/>
+                      <a:headEnd type="none" w="med" len="med"/>
+                      <a:tailEnd type="none" w="med" len="med"/>
+                    </a:lnB>
+                    <a:solidFill>
+                      <a:srgbClr val="D9D9D9"/>
+                    </a:solidFill>
+                  </a:tcPr>
+                </a:tc>
               </a:tr>
               <a:tr h="574528">
                 <a:tc>
@@ -34525,12 +35262,22 @@
                         <a:tabLst/>
                         <a:defRPr/>
                       </a:pPr>
-                      <a:endParaRPr lang="ko-KR" altLang="en-US" sz="1600" dirty="0">
+                      <a:r>
+                        <a:rPr lang="fr-FR" altLang="ko-KR" sz="1400" dirty="0" smtClean="0">
+                          <a:solidFill>
+                            <a:srgbClr val="567791"/>
+                          </a:solidFill>
+                          <a:latin typeface="Times New Roman" panose="02020603050405020304" pitchFamily="18" charset="0"/>
+                          <a:cs typeface="Times New Roman" panose="02020603050405020304" pitchFamily="18" charset="0"/>
+                        </a:rPr>
+                        <a:t>ALGER</a:t>
+                      </a:r>
+                      <a:endParaRPr lang="ko-KR" altLang="en-US" sz="1400" dirty="0">
                         <a:solidFill>
-                          <a:schemeClr val="accent2"/>
+                          <a:srgbClr val="567791"/>
                         </a:solidFill>
-                        <a:latin typeface="Arial" panose="020B0604020202020204" pitchFamily="34" charset="0"/>
-                        <a:cs typeface="Arial" panose="020B0604020202020204" pitchFamily="34" charset="0"/>
+                        <a:latin typeface="Times New Roman" panose="02020603050405020304" pitchFamily="18" charset="0"/>
+                        <a:cs typeface="Times New Roman" panose="02020603050405020304" pitchFamily="18" charset="0"/>
                       </a:endParaRPr>
                     </a:p>
                   </a:txBody>
@@ -34582,12 +35329,22 @@
                         <a:tabLst/>
                         <a:defRPr/>
                       </a:pPr>
-                      <a:endParaRPr lang="ko-KR" altLang="en-US" sz="1600" dirty="0">
+                      <a:r>
+                        <a:rPr lang="fr-FR" altLang="ko-KR" sz="1400" dirty="0" smtClean="0">
+                          <a:solidFill>
+                            <a:srgbClr val="567791"/>
+                          </a:solidFill>
+                          <a:latin typeface="Times New Roman" panose="02020603050405020304" pitchFamily="18" charset="0"/>
+                          <a:cs typeface="Times New Roman" panose="02020603050405020304" pitchFamily="18" charset="0"/>
+                        </a:rPr>
+                        <a:t>ALGERIE </a:t>
+                      </a:r>
+                      <a:endParaRPr lang="ko-KR" altLang="en-US" sz="1400" dirty="0">
                         <a:solidFill>
-                          <a:schemeClr val="accent3"/>
+                          <a:srgbClr val="567791"/>
                         </a:solidFill>
-                        <a:latin typeface="Arial" panose="020B0604020202020204" pitchFamily="34" charset="0"/>
-                        <a:cs typeface="Arial" panose="020B0604020202020204" pitchFamily="34" charset="0"/>
+                        <a:latin typeface="Times New Roman" panose="02020603050405020304" pitchFamily="18" charset="0"/>
+                        <a:cs typeface="Times New Roman" panose="02020603050405020304" pitchFamily="18" charset="0"/>
                       </a:endParaRPr>
                     </a:p>
                   </a:txBody>
@@ -34632,12 +35389,22 @@
                         <a:tabLst/>
                         <a:defRPr/>
                       </a:pPr>
-                      <a:endParaRPr lang="ko-KR" altLang="en-US" sz="1600" dirty="0">
+                      <a:r>
+                        <a:rPr lang="fr-FR" altLang="ko-KR" sz="1400" dirty="0" smtClean="0">
+                          <a:solidFill>
+                            <a:srgbClr val="567791"/>
+                          </a:solidFill>
+                          <a:latin typeface="Times New Roman" panose="02020603050405020304" pitchFamily="18" charset="0"/>
+                          <a:cs typeface="Times New Roman" panose="02020603050405020304" pitchFamily="18" charset="0"/>
+                        </a:rPr>
+                        <a:t>AFRIQUE </a:t>
+                      </a:r>
+                      <a:endParaRPr lang="ko-KR" altLang="en-US" sz="1400" dirty="0">
                         <a:solidFill>
-                          <a:schemeClr val="accent2"/>
+                          <a:srgbClr val="567791"/>
                         </a:solidFill>
-                        <a:latin typeface="Arial" panose="020B0604020202020204" pitchFamily="34" charset="0"/>
-                        <a:cs typeface="Arial" panose="020B0604020202020204" pitchFamily="34" charset="0"/>
+                        <a:latin typeface="Times New Roman" panose="02020603050405020304" pitchFamily="18" charset="0"/>
+                        <a:cs typeface="Times New Roman" panose="02020603050405020304" pitchFamily="18" charset="0"/>
                       </a:endParaRPr>
                     </a:p>
                   </a:txBody>
@@ -34678,12 +35445,22 @@
                         <a:tabLst/>
                         <a:defRPr/>
                       </a:pPr>
-                      <a:endParaRPr lang="ko-KR" altLang="en-US" sz="1600" dirty="0">
+                      <a:r>
+                        <a:rPr lang="fr-FR" altLang="ko-KR" sz="1400" dirty="0" smtClean="0">
+                          <a:solidFill>
+                            <a:srgbClr val="567791"/>
+                          </a:solidFill>
+                          <a:latin typeface="Times New Roman" panose="02020603050405020304" pitchFamily="18" charset="0"/>
+                          <a:cs typeface="Times New Roman" panose="02020603050405020304" pitchFamily="18" charset="0"/>
+                        </a:rPr>
+                        <a:t>77.75</a:t>
+                      </a:r>
+                      <a:endParaRPr lang="ko-KR" altLang="en-US" sz="1400" dirty="0">
                         <a:solidFill>
-                          <a:schemeClr val="accent3"/>
+                          <a:srgbClr val="567791"/>
                         </a:solidFill>
-                        <a:latin typeface="Arial" panose="020B0604020202020204" pitchFamily="34" charset="0"/>
-                        <a:cs typeface="Arial" panose="020B0604020202020204" pitchFamily="34" charset="0"/>
+                        <a:latin typeface="Times New Roman" panose="02020603050405020304" pitchFamily="18" charset="0"/>
+                        <a:cs typeface="Times New Roman" panose="02020603050405020304" pitchFamily="18" charset="0"/>
                       </a:endParaRPr>
                     </a:p>
                   </a:txBody>
@@ -34698,11 +35475,7 @@
                       <a:tailEnd type="none" w="med" len="med"/>
                     </a:lnT>
                     <a:solidFill>
-                      <a:schemeClr val="accent3">
-                        <a:lumMod val="20000"/>
-                        <a:lumOff val="80000"/>
-                        <a:alpha val="40000"/>
-                      </a:schemeClr>
+                      <a:srgbClr val="F8F8F8"/>
                     </a:solidFill>
                   </a:tcPr>
                 </a:tc>
@@ -34728,12 +35501,22 @@
                         <a:tabLst/>
                         <a:defRPr/>
                       </a:pPr>
-                      <a:endParaRPr lang="ko-KR" altLang="en-US" sz="1600" dirty="0">
+                      <a:r>
+                        <a:rPr lang="fr-FR" altLang="ko-KR" sz="1400" dirty="0" smtClean="0">
+                          <a:solidFill>
+                            <a:srgbClr val="567791"/>
+                          </a:solidFill>
+                          <a:latin typeface="Times New Roman" panose="02020603050405020304" pitchFamily="18" charset="0"/>
+                          <a:cs typeface="Times New Roman" panose="02020603050405020304" pitchFamily="18" charset="0"/>
+                        </a:rPr>
+                        <a:t>20.60</a:t>
+                      </a:r>
+                      <a:endParaRPr lang="ko-KR" altLang="en-US" sz="1400" dirty="0">
                         <a:solidFill>
-                          <a:schemeClr val="accent2"/>
+                          <a:srgbClr val="567791"/>
                         </a:solidFill>
-                        <a:latin typeface="Arial" panose="020B0604020202020204" pitchFamily="34" charset="0"/>
-                        <a:cs typeface="Arial" panose="020B0604020202020204" pitchFamily="34" charset="0"/>
+                        <a:latin typeface="Times New Roman" panose="02020603050405020304" pitchFamily="18" charset="0"/>
+                        <a:cs typeface="Times New Roman" panose="02020603050405020304" pitchFamily="18" charset="0"/>
                       </a:endParaRPr>
                     </a:p>
                   </a:txBody>
@@ -34774,12 +35557,22 @@
                         <a:tabLst/>
                         <a:defRPr/>
                       </a:pPr>
-                      <a:endParaRPr lang="ko-KR" altLang="en-US" sz="1600" dirty="0">
+                      <a:r>
+                        <a:rPr lang="fr-FR" altLang="ko-KR" sz="1400" dirty="0" smtClean="0">
+                          <a:solidFill>
+                            <a:srgbClr val="567791"/>
+                          </a:solidFill>
+                          <a:latin typeface="Times New Roman" panose="02020603050405020304" pitchFamily="18" charset="0"/>
+                          <a:cs typeface="Times New Roman" panose="02020603050405020304" pitchFamily="18" charset="0"/>
+                        </a:rPr>
+                        <a:t>57.18</a:t>
+                      </a:r>
+                      <a:endParaRPr lang="ko-KR" altLang="en-US" sz="1400" dirty="0">
                         <a:solidFill>
-                          <a:schemeClr val="accent2"/>
+                          <a:srgbClr val="567791"/>
                         </a:solidFill>
-                        <a:latin typeface="Arial" panose="020B0604020202020204" pitchFamily="34" charset="0"/>
-                        <a:cs typeface="Arial" panose="020B0604020202020204" pitchFamily="34" charset="0"/>
+                        <a:latin typeface="Times New Roman" panose="02020603050405020304" pitchFamily="18" charset="0"/>
+                        <a:cs typeface="Times New Roman" panose="02020603050405020304" pitchFamily="18" charset="0"/>
                       </a:endParaRPr>
                     </a:p>
                   </a:txBody>
@@ -34820,12 +35613,12 @@
                         <a:tabLst/>
                         <a:defRPr/>
                       </a:pPr>
-                      <a:endParaRPr lang="ko-KR" altLang="en-US" sz="1600" dirty="0">
+                      <a:endParaRPr lang="ko-KR" altLang="en-US" sz="1400" dirty="0">
                         <a:solidFill>
-                          <a:schemeClr val="accent2"/>
+                          <a:srgbClr val="567791"/>
                         </a:solidFill>
-                        <a:latin typeface="Arial" panose="020B0604020202020204" pitchFamily="34" charset="0"/>
-                        <a:cs typeface="Arial" panose="020B0604020202020204" pitchFamily="34" charset="0"/>
+                        <a:latin typeface="Times New Roman" panose="02020603050405020304" pitchFamily="18" charset="0"/>
+                        <a:cs typeface="Times New Roman" panose="02020603050405020304" pitchFamily="18" charset="0"/>
                       </a:endParaRPr>
                     </a:p>
                   </a:txBody>
@@ -34866,12 +35659,12 @@
                         <a:tabLst/>
                         <a:defRPr/>
                       </a:pPr>
-                      <a:endParaRPr lang="ko-KR" altLang="en-US" sz="1600" dirty="0">
+                      <a:endParaRPr lang="ko-KR" altLang="en-US" sz="1400" dirty="0">
                         <a:solidFill>
-                          <a:schemeClr val="accent2"/>
+                          <a:srgbClr val="567791"/>
                         </a:solidFill>
-                        <a:latin typeface="Arial" panose="020B0604020202020204" pitchFamily="34" charset="0"/>
-                        <a:cs typeface="Arial" panose="020B0604020202020204" pitchFamily="34" charset="0"/>
+                        <a:latin typeface="Times New Roman" panose="02020603050405020304" pitchFamily="18" charset="0"/>
+                        <a:cs typeface="Times New Roman" panose="02020603050405020304" pitchFamily="18" charset="0"/>
                       </a:endParaRPr>
                     </a:p>
                   </a:txBody>
@@ -34890,9 +35683,55 @@
                     </a:solidFill>
                   </a:tcPr>
                 </a:tc>
+                <a:tc>
+                  <a:txBody>
+                    <a:bodyPr/>
+                    <a:lstStyle/>
+                    <a:p>
+                      <a:pPr marL="0" marR="0" indent="0" algn="ctr" defTabSz="914400" rtl="0" eaLnBrk="1" fontAlgn="auto" latinLnBrk="1" hangingPunct="1">
+                        <a:lnSpc>
+                          <a:spcPct val="100000"/>
+                        </a:lnSpc>
+                        <a:spcBef>
+                          <a:spcPts val="0"/>
+                        </a:spcBef>
+                        <a:spcAft>
+                          <a:spcPts val="0"/>
+                        </a:spcAft>
+                        <a:buClrTx/>
+                        <a:buSzTx/>
+                        <a:buFontTx/>
+                        <a:buNone/>
+                        <a:tabLst/>
+                        <a:defRPr/>
+                      </a:pPr>
+                      <a:endParaRPr lang="ko-KR" altLang="en-US" sz="1400" dirty="0">
+                        <a:solidFill>
+                          <a:srgbClr val="567791"/>
+                        </a:solidFill>
+                        <a:latin typeface="Times New Roman" panose="02020603050405020304" pitchFamily="18" charset="0"/>
+                        <a:cs typeface="Times New Roman" panose="02020603050405020304" pitchFamily="18" charset="0"/>
+                      </a:endParaRPr>
+                    </a:p>
+                  </a:txBody>
+                  <a:tcPr marL="121920" marR="121920" marT="60960" marB="60960" anchor="ctr">
+                    <a:lnT w="19050" cap="flat" cmpd="sng" algn="ctr">
+                      <a:solidFill>
+                        <a:schemeClr val="bg1"/>
+                      </a:solidFill>
+                      <a:prstDash val="solid"/>
+                      <a:round/>
+                      <a:headEnd type="none" w="med" len="med"/>
+                      <a:tailEnd type="none" w="med" len="med"/>
+                    </a:lnT>
+                    <a:solidFill>
+                      <a:srgbClr val="D9D9D9"/>
+                    </a:solidFill>
+                  </a:tcPr>
+                </a:tc>
                 <a:extLst>
                   <a:ext uri="{0D108BD9-81ED-4DB2-BD59-A6C34878D82A}">
-                    <a16:rowId xmlns:a16="http://schemas.microsoft.com/office/drawing/2014/main" xmlns="" val="10001"/>
+                    <a16:rowId xmlns="" xmlns:a16="http://schemas.microsoft.com/office/drawing/2014/main" val="10001"/>
                   </a:ext>
                 </a:extLst>
               </a:tr>
@@ -34919,12 +35758,22 @@
                         <a:tabLst/>
                         <a:defRPr/>
                       </a:pPr>
-                      <a:endParaRPr lang="ko-KR" altLang="en-US" sz="1600" dirty="0">
+                      <a:r>
+                        <a:rPr lang="fr-FR" altLang="ko-KR" sz="1400" dirty="0" smtClean="0">
+                          <a:solidFill>
+                            <a:srgbClr val="567791"/>
+                          </a:solidFill>
+                          <a:latin typeface="Times New Roman" panose="02020603050405020304" pitchFamily="18" charset="0"/>
+                          <a:cs typeface="Times New Roman" panose="02020603050405020304" pitchFamily="18" charset="0"/>
+                        </a:rPr>
+                        <a:t>AMMAN </a:t>
+                      </a:r>
+                      <a:endParaRPr lang="ko-KR" altLang="en-US" sz="1400" dirty="0">
                         <a:solidFill>
-                          <a:schemeClr val="accent2"/>
+                          <a:srgbClr val="567791"/>
                         </a:solidFill>
-                        <a:latin typeface="Arial" panose="020B0604020202020204" pitchFamily="34" charset="0"/>
-                        <a:cs typeface="Arial" panose="020B0604020202020204" pitchFamily="34" charset="0"/>
+                        <a:latin typeface="Times New Roman" panose="02020603050405020304" pitchFamily="18" charset="0"/>
+                        <a:cs typeface="Times New Roman" panose="02020603050405020304" pitchFamily="18" charset="0"/>
                       </a:endParaRPr>
                     </a:p>
                   </a:txBody>
@@ -34967,12 +35816,22 @@
                         <a:tabLst/>
                         <a:defRPr/>
                       </a:pPr>
-                      <a:endParaRPr lang="ko-KR" altLang="en-US" sz="1600" dirty="0">
+                      <a:r>
+                        <a:rPr lang="fr-FR" altLang="ko-KR" sz="1400" dirty="0" smtClean="0">
+                          <a:solidFill>
+                            <a:srgbClr val="567791"/>
+                          </a:solidFill>
+                          <a:latin typeface="Times New Roman" panose="02020603050405020304" pitchFamily="18" charset="0"/>
+                          <a:cs typeface="Times New Roman" panose="02020603050405020304" pitchFamily="18" charset="0"/>
+                        </a:rPr>
+                        <a:t>JORDANIE </a:t>
+                      </a:r>
+                      <a:endParaRPr lang="ko-KR" altLang="en-US" sz="1400" dirty="0">
                         <a:solidFill>
-                          <a:schemeClr val="accent3"/>
+                          <a:srgbClr val="567791"/>
                         </a:solidFill>
-                        <a:latin typeface="Arial" panose="020B0604020202020204" pitchFamily="34" charset="0"/>
-                        <a:cs typeface="Arial" panose="020B0604020202020204" pitchFamily="34" charset="0"/>
+                        <a:latin typeface="Times New Roman" panose="02020603050405020304" pitchFamily="18" charset="0"/>
+                        <a:cs typeface="Times New Roman" panose="02020603050405020304" pitchFamily="18" charset="0"/>
                       </a:endParaRPr>
                     </a:p>
                   </a:txBody>
@@ -35008,12 +35867,22 @@
                         <a:tabLst/>
                         <a:defRPr/>
                       </a:pPr>
-                      <a:endParaRPr lang="ko-KR" altLang="en-US" sz="1600" dirty="0">
+                      <a:r>
+                        <a:rPr lang="fr-FR" altLang="ko-KR" sz="1400" dirty="0" smtClean="0">
+                          <a:solidFill>
+                            <a:srgbClr val="567791"/>
+                          </a:solidFill>
+                          <a:latin typeface="Times New Roman" panose="02020603050405020304" pitchFamily="18" charset="0"/>
+                          <a:cs typeface="Times New Roman" panose="02020603050405020304" pitchFamily="18" charset="0"/>
+                        </a:rPr>
+                        <a:t>ASIE </a:t>
+                      </a:r>
+                      <a:endParaRPr lang="ko-KR" altLang="en-US" sz="1400" dirty="0">
                         <a:solidFill>
-                          <a:schemeClr val="accent2"/>
+                          <a:srgbClr val="567791"/>
                         </a:solidFill>
-                        <a:latin typeface="Arial" panose="020B0604020202020204" pitchFamily="34" charset="0"/>
-                        <a:cs typeface="Arial" panose="020B0604020202020204" pitchFamily="34" charset="0"/>
+                        <a:latin typeface="Times New Roman" panose="02020603050405020304" pitchFamily="18" charset="0"/>
+                        <a:cs typeface="Times New Roman" panose="02020603050405020304" pitchFamily="18" charset="0"/>
                       </a:endParaRPr>
                     </a:p>
                   </a:txBody>
@@ -35028,19 +35897,55 @@
                     <a:bodyPr/>
                     <a:lstStyle/>
                     <a:p>
-                      <a:endParaRPr lang="fr-FR" dirty="0">
-                        <a:latin typeface="Arial" panose="020B0604020202020204" pitchFamily="34" charset="0"/>
-                        <a:cs typeface="Arial" panose="020B0604020202020204" pitchFamily="34" charset="0"/>
+                      <a:pPr marL="0" marR="0" indent="0" algn="ctr" defTabSz="914400" rtl="0" eaLnBrk="1" fontAlgn="auto" latinLnBrk="1" hangingPunct="1">
+                        <a:lnSpc>
+                          <a:spcPct val="100000"/>
+                        </a:lnSpc>
+                        <a:spcBef>
+                          <a:spcPts val="0"/>
+                        </a:spcBef>
+                        <a:spcAft>
+                          <a:spcPts val="0"/>
+                        </a:spcAft>
+                        <a:buClrTx/>
+                        <a:buSzTx/>
+                        <a:buFontTx/>
+                        <a:buNone/>
+                        <a:tabLst/>
+                        <a:defRPr/>
+                      </a:pPr>
+                      <a:r>
+                        <a:rPr lang="ko-KR" altLang="fr-FR" sz="1400" dirty="0" smtClean="0">
+                          <a:solidFill>
+                            <a:srgbClr val="567791"/>
+                          </a:solidFill>
+                          <a:latin typeface="Times New Roman" panose="02020603050405020304" pitchFamily="18" charset="0"/>
+                          <a:cs typeface="Times New Roman" panose="02020603050405020304" pitchFamily="18" charset="0"/>
+                        </a:rPr>
+                        <a:t> </a:t>
+                      </a:r>
+                      <a:r>
+                        <a:rPr lang="fr-FR" altLang="ko-KR" sz="1400" dirty="0" smtClean="0">
+                          <a:solidFill>
+                            <a:srgbClr val="567791"/>
+                          </a:solidFill>
+                          <a:latin typeface="Times New Roman" panose="02020603050405020304" pitchFamily="18" charset="0"/>
+                          <a:cs typeface="Times New Roman" panose="02020603050405020304" pitchFamily="18" charset="0"/>
+                        </a:rPr>
+                        <a:t>73.25</a:t>
+                      </a:r>
+                      <a:endParaRPr lang="ko-KR" altLang="en-US" sz="1400" dirty="0">
+                        <a:solidFill>
+                          <a:srgbClr val="567791"/>
+                        </a:solidFill>
+                        <a:latin typeface="Times New Roman" panose="02020603050405020304" pitchFamily="18" charset="0"/>
+                        <a:cs typeface="Times New Roman" panose="02020603050405020304" pitchFamily="18" charset="0"/>
                       </a:endParaRPr>
                     </a:p>
                   </a:txBody>
                   <a:tcPr marL="121920" marR="121920" marT="60960" marB="60960" anchor="ctr">
                     <a:solidFill>
-                      <a:schemeClr val="accent3">
-                        <a:lumMod val="20000"/>
-                        <a:lumOff val="80000"/>
-                        <a:alpha val="40000"/>
-                      </a:schemeClr>
+                      <a:srgbClr val="F8F8F8"/>
                     </a:solidFill>
                   </a:tcPr>
                 </a:tc>
@@ -35049,9 +35954,23 @@
                     <a:bodyPr/>
                     <a:lstStyle/>
                     <a:p>
-                      <a:endParaRPr lang="fr-FR" dirty="0">
-                        <a:latin typeface="Arial" panose="020B0604020202020204" pitchFamily="34" charset="0"/>
-                        <a:cs typeface="Arial" panose="020B0604020202020204" pitchFamily="34" charset="0"/>
+                      <a:pPr algn="ctr"/>
+                      <a:r>
+                        <a:rPr lang="fr-FR" sz="1400" dirty="0" smtClean="0">
+                          <a:solidFill>
+                            <a:srgbClr val="567791"/>
+                          </a:solidFill>
+                          <a:latin typeface="Times New Roman" panose="02020603050405020304" pitchFamily="18" charset="0"/>
+                          <a:cs typeface="Times New Roman" panose="02020603050405020304" pitchFamily="18" charset="0"/>
+                        </a:rPr>
+                        <a:t>17.00</a:t>
+                      </a:r>
+                      <a:endParaRPr lang="fr-FR" sz="1400" dirty="0">
+                        <a:solidFill>
+                          <a:srgbClr val="567791"/>
+                        </a:solidFill>
+                        <a:latin typeface="Times New Roman" panose="02020603050405020304" pitchFamily="18" charset="0"/>
+                        <a:cs typeface="Times New Roman" panose="02020603050405020304" pitchFamily="18" charset="0"/>
                       </a:endParaRPr>
                     </a:p>
                   </a:txBody>
@@ -35066,9 +35985,23 @@
                     <a:bodyPr/>
                     <a:lstStyle/>
                     <a:p>
-                      <a:endParaRPr lang="fr-FR" dirty="0">
-                        <a:latin typeface="Arial" panose="020B0604020202020204" pitchFamily="34" charset="0"/>
-                        <a:cs typeface="Arial" panose="020B0604020202020204" pitchFamily="34" charset="0"/>
+                      <a:pPr algn="ctr"/>
+                      <a:r>
+                        <a:rPr lang="fr-FR" sz="1400" dirty="0" smtClean="0">
+                          <a:solidFill>
+                            <a:srgbClr val="567791"/>
+                          </a:solidFill>
+                          <a:latin typeface="Times New Roman" panose="02020603050405020304" pitchFamily="18" charset="0"/>
+                          <a:cs typeface="Times New Roman" panose="02020603050405020304" pitchFamily="18" charset="0"/>
+                        </a:rPr>
+                        <a:t>62.20</a:t>
+                      </a:r>
+                      <a:endParaRPr lang="fr-FR" sz="1400" dirty="0">
+                        <a:solidFill>
+                          <a:srgbClr val="567791"/>
+                        </a:solidFill>
+                        <a:latin typeface="Times New Roman" panose="02020603050405020304" pitchFamily="18" charset="0"/>
+                        <a:cs typeface="Times New Roman" panose="02020603050405020304" pitchFamily="18" charset="0"/>
                       </a:endParaRPr>
                     </a:p>
                   </a:txBody>
@@ -35083,9 +36016,12 @@
                     <a:bodyPr/>
                     <a:lstStyle/>
                     <a:p>
-                      <a:endParaRPr lang="fr-FR" dirty="0">
-                        <a:latin typeface="Arial" panose="020B0604020202020204" pitchFamily="34" charset="0"/>
-                        <a:cs typeface="Arial" panose="020B0604020202020204" pitchFamily="34" charset="0"/>
+                      <a:endParaRPr lang="fr-FR" sz="1400" dirty="0">
+                        <a:solidFill>
+                          <a:srgbClr val="567791"/>
+                        </a:solidFill>
+                        <a:latin typeface="Times New Roman" panose="02020603050405020304" pitchFamily="18" charset="0"/>
+                        <a:cs typeface="Times New Roman" panose="02020603050405020304" pitchFamily="18" charset="0"/>
                       </a:endParaRPr>
                     </a:p>
                   </a:txBody>
@@ -35100,9 +36036,12 @@
                     <a:bodyPr/>
                     <a:lstStyle/>
                     <a:p>
-                      <a:endParaRPr lang="fr-FR" dirty="0">
-                        <a:latin typeface="Arial" panose="020B0604020202020204" pitchFamily="34" charset="0"/>
-                        <a:cs typeface="Arial" panose="020B0604020202020204" pitchFamily="34" charset="0"/>
+                      <a:endParaRPr lang="fr-FR" sz="1400" dirty="0">
+                        <a:solidFill>
+                          <a:srgbClr val="567791"/>
+                        </a:solidFill>
+                        <a:latin typeface="Times New Roman" panose="02020603050405020304" pitchFamily="18" charset="0"/>
+                        <a:cs typeface="Times New Roman" panose="02020603050405020304" pitchFamily="18" charset="0"/>
                       </a:endParaRPr>
                     </a:p>
                   </a:txBody>
@@ -35112,9 +36051,29 @@
                     </a:solidFill>
                   </a:tcPr>
                 </a:tc>
+                <a:tc>
+                  <a:txBody>
+                    <a:bodyPr/>
+                    <a:lstStyle/>
+                    <a:p>
+                      <a:endParaRPr lang="fr-FR" sz="1400" dirty="0">
+                        <a:solidFill>
+                          <a:srgbClr val="567791"/>
+                        </a:solidFill>
+                        <a:latin typeface="Times New Roman" panose="02020603050405020304" pitchFamily="18" charset="0"/>
+                        <a:cs typeface="Times New Roman" panose="02020603050405020304" pitchFamily="18" charset="0"/>
+                      </a:endParaRPr>
+                    </a:p>
+                  </a:txBody>
+                  <a:tcPr marL="121920" marR="121920" marT="60960" marB="60960" anchor="ctr">
+                    <a:solidFill>
+                      <a:srgbClr val="D9D9D9"/>
+                    </a:solidFill>
+                  </a:tcPr>
+                </a:tc>
                 <a:extLst>
                   <a:ext uri="{0D108BD9-81ED-4DB2-BD59-A6C34878D82A}">
-                    <a16:rowId xmlns:a16="http://schemas.microsoft.com/office/drawing/2014/main" xmlns="" val="10002"/>
+                    <a16:rowId xmlns="" xmlns:a16="http://schemas.microsoft.com/office/drawing/2014/main" val="10002"/>
                   </a:ext>
                 </a:extLst>
               </a:tr>
@@ -35141,12 +36100,22 @@
                         <a:tabLst/>
                         <a:defRPr/>
                       </a:pPr>
-                      <a:endParaRPr lang="ko-KR" altLang="en-US" sz="1600" dirty="0">
+                      <a:r>
+                        <a:rPr lang="fr-FR" altLang="ko-KR" sz="1400" dirty="0" smtClean="0">
+                          <a:solidFill>
+                            <a:srgbClr val="567791"/>
+                          </a:solidFill>
+                          <a:latin typeface="Times New Roman" panose="02020603050405020304" pitchFamily="18" charset="0"/>
+                          <a:cs typeface="Times New Roman" panose="02020603050405020304" pitchFamily="18" charset="0"/>
+                        </a:rPr>
+                        <a:t>AMSTERDAM</a:t>
+                      </a:r>
+                      <a:endParaRPr lang="ko-KR" altLang="en-US" sz="1400" dirty="0">
                         <a:solidFill>
-                          <a:schemeClr val="accent2"/>
+                          <a:srgbClr val="567791"/>
                         </a:solidFill>
-                        <a:latin typeface="Arial" panose="020B0604020202020204" pitchFamily="34" charset="0"/>
-                        <a:cs typeface="Arial" panose="020B0604020202020204" pitchFamily="34" charset="0"/>
+                        <a:latin typeface="Times New Roman" panose="02020603050405020304" pitchFamily="18" charset="0"/>
+                        <a:cs typeface="Times New Roman" panose="02020603050405020304" pitchFamily="18" charset="0"/>
                       </a:endParaRPr>
                     </a:p>
                   </a:txBody>
@@ -35189,12 +36158,22 @@
                         <a:tabLst/>
                         <a:defRPr/>
                       </a:pPr>
-                      <a:endParaRPr lang="ko-KR" altLang="en-US" sz="1600" dirty="0">
+                      <a:r>
+                        <a:rPr lang="fr-FR" altLang="ko-KR" sz="1400" dirty="0" smtClean="0">
+                          <a:solidFill>
+                            <a:srgbClr val="567791"/>
+                          </a:solidFill>
+                          <a:latin typeface="Times New Roman" panose="02020603050405020304" pitchFamily="18" charset="0"/>
+                          <a:cs typeface="Times New Roman" panose="02020603050405020304" pitchFamily="18" charset="0"/>
+                        </a:rPr>
+                        <a:t> PAYS-BAS</a:t>
+                      </a:r>
+                      <a:endParaRPr lang="ko-KR" altLang="en-US" sz="1400" dirty="0">
                         <a:solidFill>
-                          <a:schemeClr val="accent3"/>
+                          <a:srgbClr val="567791"/>
                         </a:solidFill>
-                        <a:latin typeface="Arial" panose="020B0604020202020204" pitchFamily="34" charset="0"/>
-                        <a:cs typeface="Arial" panose="020B0604020202020204" pitchFamily="34" charset="0"/>
+                        <a:latin typeface="Times New Roman" panose="02020603050405020304" pitchFamily="18" charset="0"/>
+                        <a:cs typeface="Times New Roman" panose="02020603050405020304" pitchFamily="18" charset="0"/>
                       </a:endParaRPr>
                     </a:p>
                   </a:txBody>
@@ -35230,12 +36209,22 @@
                         <a:tabLst/>
                         <a:defRPr/>
                       </a:pPr>
-                      <a:endParaRPr lang="ko-KR" altLang="en-US" sz="1600" dirty="0">
+                      <a:r>
+                        <a:rPr lang="fr-FR" altLang="ko-KR" sz="1400" dirty="0" smtClean="0">
+                          <a:solidFill>
+                            <a:srgbClr val="567791"/>
+                          </a:solidFill>
+                          <a:latin typeface="Times New Roman" panose="02020603050405020304" pitchFamily="18" charset="0"/>
+                          <a:cs typeface="Times New Roman" panose="02020603050405020304" pitchFamily="18" charset="0"/>
+                        </a:rPr>
+                        <a:t>EUROPE </a:t>
+                      </a:r>
+                      <a:endParaRPr lang="ko-KR" altLang="en-US" sz="1400" dirty="0">
                         <a:solidFill>
-                          <a:schemeClr val="accent2"/>
+                          <a:srgbClr val="567791"/>
                         </a:solidFill>
-                        <a:latin typeface="Arial" panose="020B0604020202020204" pitchFamily="34" charset="0"/>
-                        <a:cs typeface="Arial" panose="020B0604020202020204" pitchFamily="34" charset="0"/>
+                        <a:latin typeface="Times New Roman" panose="02020603050405020304" pitchFamily="18" charset="0"/>
+                        <a:cs typeface="Times New Roman" panose="02020603050405020304" pitchFamily="18" charset="0"/>
                       </a:endParaRPr>
                     </a:p>
                   </a:txBody>
@@ -35267,154 +36256,28 @@
                         <a:tabLst/>
                         <a:defRPr/>
                       </a:pPr>
-                      <a:endParaRPr lang="ko-KR" altLang="en-US" sz="1600" dirty="0">
+                      <a:r>
+                        <a:rPr lang="fr-FR" altLang="ko-KR" sz="1400" dirty="0" smtClean="0">
+                          <a:solidFill>
+                            <a:srgbClr val="567791"/>
+                          </a:solidFill>
+                          <a:latin typeface="Times New Roman" panose="02020603050405020304" pitchFamily="18" charset="0"/>
+                          <a:cs typeface="Times New Roman" panose="02020603050405020304" pitchFamily="18" charset="0"/>
+                        </a:rPr>
+                        <a:t>81.40</a:t>
+                      </a:r>
+                      <a:endParaRPr lang="ko-KR" altLang="en-US" sz="1400" dirty="0">
                         <a:solidFill>
-                          <a:schemeClr val="accent3"/>
+                          <a:srgbClr val="567791"/>
                         </a:solidFill>
-                        <a:latin typeface="Arial" panose="020B0604020202020204" pitchFamily="34" charset="0"/>
-                        <a:cs typeface="Arial" panose="020B0604020202020204" pitchFamily="34" charset="0"/>
-                      </a:endParaRPr>
-                    </a:p>
-                  </a:txBody>
-                  <a:tcPr marL="121920" marR="121920" marT="60960" marB="60960" anchor="ctr">
-                    <a:solidFill>
-                      <a:schemeClr val="accent3">
-                        <a:lumMod val="20000"/>
-                        <a:lumOff val="80000"/>
-                        <a:alpha val="40000"/>
-                      </a:schemeClr>
-                    </a:solidFill>
-                  </a:tcPr>
-                </a:tc>
-                <a:tc>
-                  <a:txBody>
-                    <a:bodyPr/>
-                    <a:lstStyle/>
-                    <a:p>
-                      <a:endParaRPr lang="fr-FR" dirty="0">
-                        <a:latin typeface="Arial" panose="020B0604020202020204" pitchFamily="34" charset="0"/>
-                        <a:cs typeface="Arial" panose="020B0604020202020204" pitchFamily="34" charset="0"/>
-                      </a:endParaRPr>
-                    </a:p>
-                  </a:txBody>
-                  <a:tcPr marL="121920" marR="121920" marT="60960" marB="60960" anchor="ctr">
-                    <a:solidFill>
-                      <a:srgbClr val="D9D9D9"/>
-                    </a:solidFill>
-                  </a:tcPr>
-                </a:tc>
-                <a:tc>
-                  <a:txBody>
-                    <a:bodyPr/>
-                    <a:lstStyle/>
-                    <a:p>
-                      <a:endParaRPr lang="fr-FR" dirty="0">
-                        <a:latin typeface="Arial" panose="020B0604020202020204" pitchFamily="34" charset="0"/>
-                        <a:cs typeface="Arial" panose="020B0604020202020204" pitchFamily="34" charset="0"/>
+                        <a:latin typeface="Times New Roman" panose="02020603050405020304" pitchFamily="18" charset="0"/>
+                        <a:cs typeface="Times New Roman" panose="02020603050405020304" pitchFamily="18" charset="0"/>
                       </a:endParaRPr>
                     </a:p>
                   </a:txBody>
                   <a:tcPr marL="121920" marR="121920" marT="60960" marB="60960" anchor="ctr">
                     <a:solidFill>
                       <a:srgbClr val="F8F8F8"/>
-                    </a:solidFill>
-                  </a:tcPr>
-                </a:tc>
-                <a:tc>
-                  <a:txBody>
-                    <a:bodyPr/>
-                    <a:lstStyle/>
-                    <a:p>
-                      <a:endParaRPr lang="fr-FR" dirty="0">
-                        <a:latin typeface="Arial" panose="020B0604020202020204" pitchFamily="34" charset="0"/>
-                        <a:cs typeface="Arial" panose="020B0604020202020204" pitchFamily="34" charset="0"/>
-                      </a:endParaRPr>
-                    </a:p>
-                  </a:txBody>
-                  <a:tcPr marL="121920" marR="121920" marT="60960" marB="60960" anchor="ctr">
-                    <a:solidFill>
-                      <a:srgbClr val="D9D9D9"/>
-                    </a:solidFill>
-                  </a:tcPr>
-                </a:tc>
-                <a:tc>
-                  <a:txBody>
-                    <a:bodyPr/>
-                    <a:lstStyle/>
-                    <a:p>
-                      <a:endParaRPr lang="fr-FR" dirty="0">
-                        <a:latin typeface="Arial" panose="020B0604020202020204" pitchFamily="34" charset="0"/>
-                        <a:cs typeface="Arial" panose="020B0604020202020204" pitchFamily="34" charset="0"/>
-                      </a:endParaRPr>
-                    </a:p>
-                  </a:txBody>
-                  <a:tcPr marL="121920" marR="121920" marT="60960" marB="60960" anchor="ctr">
-                    <a:solidFill>
-                      <a:srgbClr val="F8F8F8"/>
-                    </a:solidFill>
-                  </a:tcPr>
-                </a:tc>
-                <a:extLst>
-                  <a:ext uri="{0D108BD9-81ED-4DB2-BD59-A6C34878D82A}">
-                    <a16:rowId xmlns:a16="http://schemas.microsoft.com/office/drawing/2014/main" xmlns="" val="10003"/>
-                  </a:ext>
-                </a:extLst>
-              </a:tr>
-              <a:tr h="574528">
-                <a:tc>
-                  <a:txBody>
-                    <a:bodyPr/>
-                    <a:lstStyle/>
-                    <a:p>
-                      <a:pPr marL="0" marR="0" indent="0" algn="ctr" defTabSz="914400" rtl="0" eaLnBrk="1" fontAlgn="auto" latinLnBrk="1" hangingPunct="1">
-                        <a:lnSpc>
-                          <a:spcPct val="100000"/>
-                        </a:lnSpc>
-                        <a:spcBef>
-                          <a:spcPts val="0"/>
-                        </a:spcBef>
-                        <a:spcAft>
-                          <a:spcPts val="0"/>
-                        </a:spcAft>
-                        <a:buClrTx/>
-                        <a:buSzTx/>
-                        <a:buFontTx/>
-                        <a:buNone/>
-                        <a:tabLst/>
-                        <a:defRPr/>
-                      </a:pPr>
-                      <a:endParaRPr lang="ko-KR" altLang="en-US" sz="1600" dirty="0">
-                        <a:solidFill>
-                          <a:schemeClr val="accent2"/>
-                        </a:solidFill>
-                        <a:latin typeface="Arial" panose="020B0604020202020204" pitchFamily="34" charset="0"/>
-                        <a:cs typeface="Arial" panose="020B0604020202020204" pitchFamily="34" charset="0"/>
-                      </a:endParaRPr>
-                    </a:p>
-                  </a:txBody>
-                  <a:tcPr marL="121920" marR="121920" marT="60960" marB="60960" anchor="ctr">
-                    <a:lnL w="38100" cap="flat" cmpd="sng" algn="ctr">
-                      <a:solidFill>
-                        <a:schemeClr val="bg1"/>
-                      </a:solidFill>
-                      <a:prstDash val="solid"/>
-                      <a:round/>
-                      <a:headEnd type="none" w="med" len="med"/>
-                      <a:tailEnd type="none" w="med" len="med"/>
-                    </a:lnL>
-                    <a:lnB w="19050" cap="flat" cmpd="sng" algn="ctr">
-                      <a:solidFill>
-                        <a:schemeClr val="accent1"/>
-                      </a:solidFill>
-                      <a:prstDash val="solid"/>
-                      <a:round/>
-                      <a:headEnd type="none" w="med" len="med"/>
-                      <a:tailEnd type="none" w="med" len="med"/>
-                    </a:lnB>
-                    <a:solidFill>
-                      <a:schemeClr val="bg1">
-                        <a:lumMod val="85000"/>
-                      </a:schemeClr>
                     </a:solidFill>
                   </a:tcPr>
                 </a:tc>
@@ -35440,75 +36303,26 @@
                         <a:tabLst/>
                         <a:defRPr/>
                       </a:pPr>
-                      <a:endParaRPr lang="ko-KR" altLang="en-US" sz="1600" dirty="0">
+                      <a:r>
+                        <a:rPr lang="fr-FR" altLang="ko-KR" sz="1400" dirty="0" smtClean="0">
+                          <a:solidFill>
+                            <a:srgbClr val="567791"/>
+                          </a:solidFill>
+                          <a:latin typeface="Times New Roman" panose="02020603050405020304" pitchFamily="18" charset="0"/>
+                          <a:cs typeface="Times New Roman" panose="02020603050405020304" pitchFamily="18" charset="0"/>
+                        </a:rPr>
+                        <a:t>3.62</a:t>
+                      </a:r>
+                      <a:endParaRPr lang="ko-KR" altLang="en-US" sz="1400" dirty="0">
                         <a:solidFill>
-                          <a:schemeClr val="accent3"/>
+                          <a:srgbClr val="567791"/>
                         </a:solidFill>
-                        <a:latin typeface="Arial" panose="020B0604020202020204" pitchFamily="34" charset="0"/>
-                        <a:cs typeface="Arial" panose="020B0604020202020204" pitchFamily="34" charset="0"/>
+                        <a:latin typeface="Times New Roman" panose="02020603050405020304" pitchFamily="18" charset="0"/>
+                        <a:cs typeface="Times New Roman" panose="02020603050405020304" pitchFamily="18" charset="0"/>
                       </a:endParaRPr>
                     </a:p>
                   </a:txBody>
                   <a:tcPr marL="121920" marR="121920" marT="60960" marB="60960" anchor="ctr">
-                    <a:lnB w="19050" cap="flat" cmpd="sng" algn="ctr">
-                      <a:solidFill>
-                        <a:schemeClr val="accent1"/>
-                      </a:solidFill>
-                      <a:prstDash val="solid"/>
-                      <a:round/>
-                      <a:headEnd type="none" w="med" len="med"/>
-                      <a:tailEnd type="none" w="med" len="med"/>
-                    </a:lnB>
-                    <a:solidFill>
-                      <a:schemeClr val="accent3">
-                        <a:lumMod val="20000"/>
-                        <a:lumOff val="80000"/>
-                        <a:alpha val="40000"/>
-                      </a:schemeClr>
-                    </a:solidFill>
-                  </a:tcPr>
-                </a:tc>
-                <a:tc>
-                  <a:txBody>
-                    <a:bodyPr/>
-                    <a:lstStyle/>
-                    <a:p>
-                      <a:pPr marL="0" marR="0" indent="0" algn="ctr" defTabSz="914400" rtl="0" eaLnBrk="1" fontAlgn="auto" latinLnBrk="1" hangingPunct="1">
-                        <a:lnSpc>
-                          <a:spcPct val="100000"/>
-                        </a:lnSpc>
-                        <a:spcBef>
-                          <a:spcPts val="0"/>
-                        </a:spcBef>
-                        <a:spcAft>
-                          <a:spcPts val="0"/>
-                        </a:spcAft>
-                        <a:buClrTx/>
-                        <a:buSzTx/>
-                        <a:buFontTx/>
-                        <a:buNone/>
-                        <a:tabLst/>
-                        <a:defRPr/>
-                      </a:pPr>
-                      <a:endParaRPr lang="ko-KR" altLang="en-US" sz="1600" dirty="0">
-                        <a:solidFill>
-                          <a:schemeClr val="accent2"/>
-                        </a:solidFill>
-                        <a:latin typeface="Arial" panose="020B0604020202020204" pitchFamily="34" charset="0"/>
-                        <a:cs typeface="Arial" panose="020B0604020202020204" pitchFamily="34" charset="0"/>
-                      </a:endParaRPr>
-                    </a:p>
-                  </a:txBody>
-                  <a:tcPr marL="121920" marR="121920" marT="60960" marB="60960" anchor="ctr">
-                    <a:lnB w="19050" cap="flat" cmpd="sng" algn="ctr">
-                      <a:solidFill>
-                        <a:schemeClr val="accent1"/>
-                      </a:solidFill>
-                      <a:prstDash val="solid"/>
-                      <a:round/>
-                      <a:headEnd type="none" w="med" len="med"/>
-                      <a:tailEnd type="none" w="med" len="med"/>
-                    </a:lnB>
                     <a:solidFill>
                       <a:srgbClr val="D9D9D9"/>
                     </a:solidFill>
@@ -35519,48 +36333,29 @@
                     <a:bodyPr/>
                     <a:lstStyle/>
                     <a:p>
-                      <a:pPr marL="0" marR="0" indent="0" algn="ctr" defTabSz="914400" rtl="0" eaLnBrk="1" fontAlgn="auto" latinLnBrk="1" hangingPunct="1">
-                        <a:lnSpc>
-                          <a:spcPct val="100000"/>
-                        </a:lnSpc>
-                        <a:spcBef>
-                          <a:spcPts val="0"/>
-                        </a:spcBef>
-                        <a:spcAft>
-                          <a:spcPts val="0"/>
-                        </a:spcAft>
-                        <a:buClrTx/>
-                        <a:buSzTx/>
-                        <a:buFontTx/>
-                        <a:buNone/>
-                        <a:tabLst/>
-                        <a:defRPr/>
-                      </a:pPr>
-                      <a:endParaRPr lang="ko-KR" altLang="en-US" sz="1600" dirty="0">
+                      <a:pPr algn="ctr"/>
+                      <a:r>
+                        <a:rPr lang="fr-FR" sz="1400" dirty="0" smtClean="0">
+                          <a:solidFill>
+                            <a:srgbClr val="567791"/>
+                          </a:solidFill>
+                          <a:latin typeface="Times New Roman" panose="02020603050405020304" pitchFamily="18" charset="0"/>
+                          <a:cs typeface="Times New Roman" panose="02020603050405020304" pitchFamily="18" charset="0"/>
+                        </a:rPr>
+                        <a:t>75.46</a:t>
+                      </a:r>
+                      <a:endParaRPr lang="fr-FR" sz="1400" dirty="0">
                         <a:solidFill>
-                          <a:schemeClr val="accent3"/>
+                          <a:srgbClr val="567791"/>
                         </a:solidFill>
-                        <a:latin typeface="Arial" panose="020B0604020202020204" pitchFamily="34" charset="0"/>
-                        <a:cs typeface="Arial" panose="020B0604020202020204" pitchFamily="34" charset="0"/>
+                        <a:latin typeface="Times New Roman" panose="02020603050405020304" pitchFamily="18" charset="0"/>
+                        <a:cs typeface="Times New Roman" panose="02020603050405020304" pitchFamily="18" charset="0"/>
                       </a:endParaRPr>
                     </a:p>
                   </a:txBody>
                   <a:tcPr marL="121920" marR="121920" marT="60960" marB="60960" anchor="ctr">
-                    <a:lnB w="19050" cap="flat" cmpd="sng" algn="ctr">
-                      <a:solidFill>
-                        <a:schemeClr val="accent1"/>
-                      </a:solidFill>
-                      <a:prstDash val="solid"/>
-                      <a:round/>
-                      <a:headEnd type="none" w="med" len="med"/>
-                      <a:tailEnd type="none" w="med" len="med"/>
-                    </a:lnB>
                     <a:solidFill>
-                      <a:schemeClr val="accent3">
-                        <a:lumMod val="20000"/>
-                        <a:lumOff val="80000"/>
-                        <a:alpha val="40000"/>
-                      </a:schemeClr>
+                      <a:srgbClr val="F8F8F8"/>
                     </a:solidFill>
                   </a:tcPr>
                 </a:tc>
@@ -35569,22 +36364,16 @@
                     <a:bodyPr/>
                     <a:lstStyle/>
                     <a:p>
-                      <a:endParaRPr lang="fr-FR" dirty="0">
-                        <a:latin typeface="Arial" panose="020B0604020202020204" pitchFamily="34" charset="0"/>
-                        <a:cs typeface="Arial" panose="020B0604020202020204" pitchFamily="34" charset="0"/>
+                      <a:endParaRPr lang="fr-FR" sz="1400" dirty="0">
+                        <a:solidFill>
+                          <a:srgbClr val="567791"/>
+                        </a:solidFill>
+                        <a:latin typeface="Times New Roman" panose="02020603050405020304" pitchFamily="18" charset="0"/>
+                        <a:cs typeface="Times New Roman" panose="02020603050405020304" pitchFamily="18" charset="0"/>
                       </a:endParaRPr>
                     </a:p>
                   </a:txBody>
                   <a:tcPr marL="121920" marR="121920" marT="60960" marB="60960" anchor="ctr">
-                    <a:lnB w="19050" cap="flat" cmpd="sng" algn="ctr">
-                      <a:solidFill>
-                        <a:schemeClr val="accent1"/>
-                      </a:solidFill>
-                      <a:prstDash val="solid"/>
-                      <a:round/>
-                      <a:headEnd type="none" w="med" len="med"/>
-                      <a:tailEnd type="none" w="med" len="med"/>
-                    </a:lnB>
                     <a:solidFill>
                       <a:srgbClr val="D9D9D9"/>
                     </a:solidFill>
@@ -35595,22 +36384,16 @@
                     <a:bodyPr/>
                     <a:lstStyle/>
                     <a:p>
-                      <a:endParaRPr lang="fr-FR" dirty="0">
-                        <a:latin typeface="Arial" panose="020B0604020202020204" pitchFamily="34" charset="0"/>
-                        <a:cs typeface="Arial" panose="020B0604020202020204" pitchFamily="34" charset="0"/>
+                      <a:endParaRPr lang="fr-FR" sz="1400" dirty="0">
+                        <a:solidFill>
+                          <a:srgbClr val="567791"/>
+                        </a:solidFill>
+                        <a:latin typeface="Times New Roman" panose="02020603050405020304" pitchFamily="18" charset="0"/>
+                        <a:cs typeface="Times New Roman" panose="02020603050405020304" pitchFamily="18" charset="0"/>
                       </a:endParaRPr>
                     </a:p>
                   </a:txBody>
                   <a:tcPr marL="121920" marR="121920" marT="60960" marB="60960" anchor="ctr">
-                    <a:lnB w="19050" cap="flat" cmpd="sng" algn="ctr">
-                      <a:solidFill>
-                        <a:schemeClr val="accent1"/>
-                      </a:solidFill>
-                      <a:prstDash val="solid"/>
-                      <a:round/>
-                      <a:headEnd type="none" w="med" len="med"/>
-                      <a:tailEnd type="none" w="med" len="med"/>
-                    </a:lnB>
                     <a:solidFill>
                       <a:srgbClr val="F8F8F8"/>
                     </a:solidFill>
@@ -35621,56 +36404,24 @@
                     <a:bodyPr/>
                     <a:lstStyle/>
                     <a:p>
-                      <a:endParaRPr lang="fr-FR" dirty="0">
-                        <a:latin typeface="Arial" panose="020B0604020202020204" pitchFamily="34" charset="0"/>
-                        <a:cs typeface="Arial" panose="020B0604020202020204" pitchFamily="34" charset="0"/>
+                      <a:endParaRPr lang="fr-FR" sz="1400" dirty="0">
+                        <a:solidFill>
+                          <a:srgbClr val="567791"/>
+                        </a:solidFill>
+                        <a:latin typeface="Times New Roman" panose="02020603050405020304" pitchFamily="18" charset="0"/>
+                        <a:cs typeface="Times New Roman" panose="02020603050405020304" pitchFamily="18" charset="0"/>
                       </a:endParaRPr>
                     </a:p>
                   </a:txBody>
                   <a:tcPr marL="121920" marR="121920" marT="60960" marB="60960" anchor="ctr">
-                    <a:lnB w="19050" cap="flat" cmpd="sng" algn="ctr">
-                      <a:solidFill>
-                        <a:schemeClr val="accent1"/>
-                      </a:solidFill>
-                      <a:prstDash val="solid"/>
-                      <a:round/>
-                      <a:headEnd type="none" w="med" len="med"/>
-                      <a:tailEnd type="none" w="med" len="med"/>
-                    </a:lnB>
                     <a:solidFill>
                       <a:srgbClr val="D9D9D9"/>
                     </a:solidFill>
                   </a:tcPr>
                 </a:tc>
-                <a:tc>
-                  <a:txBody>
-                    <a:bodyPr/>
-                    <a:lstStyle/>
-                    <a:p>
-                      <a:endParaRPr lang="fr-FR" dirty="0">
-                        <a:latin typeface="Arial" panose="020B0604020202020204" pitchFamily="34" charset="0"/>
-                        <a:cs typeface="Arial" panose="020B0604020202020204" pitchFamily="34" charset="0"/>
-                      </a:endParaRPr>
-                    </a:p>
-                  </a:txBody>
-                  <a:tcPr marL="121920" marR="121920" marT="60960" marB="60960" anchor="ctr">
-                    <a:lnB w="19050" cap="flat" cmpd="sng" algn="ctr">
-                      <a:solidFill>
-                        <a:schemeClr val="accent1"/>
-                      </a:solidFill>
-                      <a:prstDash val="solid"/>
-                      <a:round/>
-                      <a:headEnd type="none" w="med" len="med"/>
-                      <a:tailEnd type="none" w="med" len="med"/>
-                    </a:lnB>
-                    <a:solidFill>
-                      <a:srgbClr val="F8F8F8"/>
-                    </a:solidFill>
-                  </a:tcPr>
-                </a:tc>
                 <a:extLst>
                   <a:ext uri="{0D108BD9-81ED-4DB2-BD59-A6C34878D82A}">
-                    <a16:rowId xmlns:a16="http://schemas.microsoft.com/office/drawing/2014/main" xmlns="" val="10004"/>
+                    <a16:rowId xmlns="" xmlns:a16="http://schemas.microsoft.com/office/drawing/2014/main" val="10003"/>
                   </a:ext>
                 </a:extLst>
               </a:tr>
@@ -35760,35 +36511,35 @@
                 <a:gridCol w="1447214">
                   <a:extLst>
                     <a:ext uri="{9D8B030D-6E8A-4147-A177-3AD203B41FA5}">
-                      <a16:colId xmlns:a16="http://schemas.microsoft.com/office/drawing/2014/main" xmlns="" val="20001"/>
+                      <a16:colId xmlns="" xmlns:a16="http://schemas.microsoft.com/office/drawing/2014/main" val="20001"/>
                     </a:ext>
                   </a:extLst>
                 </a:gridCol>
                 <a:gridCol w="1447214">
                   <a:extLst>
                     <a:ext uri="{9D8B030D-6E8A-4147-A177-3AD203B41FA5}">
-                      <a16:colId xmlns:a16="http://schemas.microsoft.com/office/drawing/2014/main" xmlns="" val="20002"/>
+                      <a16:colId xmlns="" xmlns:a16="http://schemas.microsoft.com/office/drawing/2014/main" val="20002"/>
                     </a:ext>
                   </a:extLst>
                 </a:gridCol>
                 <a:gridCol w="1447214">
                   <a:extLst>
                     <a:ext uri="{9D8B030D-6E8A-4147-A177-3AD203B41FA5}">
-                      <a16:colId xmlns:a16="http://schemas.microsoft.com/office/drawing/2014/main" xmlns="" val="20003"/>
+                      <a16:colId xmlns="" xmlns:a16="http://schemas.microsoft.com/office/drawing/2014/main" val="20003"/>
                     </a:ext>
                   </a:extLst>
                 </a:gridCol>
                 <a:gridCol w="1447214">
                   <a:extLst>
                     <a:ext uri="{9D8B030D-6E8A-4147-A177-3AD203B41FA5}">
-                      <a16:colId xmlns:a16="http://schemas.microsoft.com/office/drawing/2014/main" xmlns="" val="20004"/>
+                      <a16:colId xmlns="" xmlns:a16="http://schemas.microsoft.com/office/drawing/2014/main" val="20004"/>
                     </a:ext>
                   </a:extLst>
                 </a:gridCol>
                 <a:gridCol w="1447214">
                   <a:extLst>
                     <a:ext uri="{9D8B030D-6E8A-4147-A177-3AD203B41FA5}">
-                      <a16:colId xmlns:a16="http://schemas.microsoft.com/office/drawing/2014/main" xmlns="" val="20005"/>
+                      <a16:colId xmlns="" xmlns:a16="http://schemas.microsoft.com/office/drawing/2014/main" val="20005"/>
                     </a:ext>
                   </a:extLst>
                 </a:gridCol>
@@ -36360,7 +37111,7 @@
                 </a:tc>
                 <a:extLst>
                   <a:ext uri="{0D108BD9-81ED-4DB2-BD59-A6C34878D82A}">
-                    <a16:rowId xmlns:a16="http://schemas.microsoft.com/office/drawing/2014/main" xmlns="" val="10000"/>
+                    <a16:rowId xmlns="" xmlns:a16="http://schemas.microsoft.com/office/drawing/2014/main" val="10000"/>
                   </a:ext>
                 </a:extLst>
               </a:tr>
@@ -39059,7 +39810,7 @@
                 </a:tc>
                 <a:extLst>
                   <a:ext uri="{0D108BD9-81ED-4DB2-BD59-A6C34878D82A}">
-                    <a16:rowId xmlns:a16="http://schemas.microsoft.com/office/drawing/2014/main" xmlns="" val="10001"/>
+                    <a16:rowId xmlns="" xmlns:a16="http://schemas.microsoft.com/office/drawing/2014/main" val="10001"/>
                   </a:ext>
                 </a:extLst>
               </a:tr>
@@ -39301,7 +40052,7 @@
                 </a:tc>
                 <a:extLst>
                   <a:ext uri="{0D108BD9-81ED-4DB2-BD59-A6C34878D82A}">
-                    <a16:rowId xmlns:a16="http://schemas.microsoft.com/office/drawing/2014/main" xmlns="" val="10002"/>
+                    <a16:rowId xmlns="" xmlns:a16="http://schemas.microsoft.com/office/drawing/2014/main" val="10002"/>
                   </a:ext>
                 </a:extLst>
               </a:tr>
@@ -39563,7 +40314,7 @@
                 </a:tc>
                 <a:extLst>
                   <a:ext uri="{0D108BD9-81ED-4DB2-BD59-A6C34878D82A}">
-                    <a16:rowId xmlns:a16="http://schemas.microsoft.com/office/drawing/2014/main" xmlns="" val="10003"/>
+                    <a16:rowId xmlns="" xmlns:a16="http://schemas.microsoft.com/office/drawing/2014/main" val="10003"/>
                   </a:ext>
                 </a:extLst>
               </a:tr>
@@ -39897,7 +40648,7 @@
                 </a:tc>
                 <a:extLst>
                   <a:ext uri="{0D108BD9-81ED-4DB2-BD59-A6C34878D82A}">
-                    <a16:rowId xmlns:a16="http://schemas.microsoft.com/office/drawing/2014/main" xmlns="" val="10004"/>
+                    <a16:rowId xmlns="" xmlns:a16="http://schemas.microsoft.com/office/drawing/2014/main" val="10004"/>
                   </a:ext>
                 </a:extLst>
               </a:tr>
